--- a/plots/Fig5 statistical workflow.pptx
+++ b/plots/Fig5 statistical workflow.pptx
@@ -2,7 +2,7 @@
 <file path=ppt/presentation.xml><?xml version="1.0" encoding="utf-8"?>
 <p:presentation xmlns:a="http://schemas.openxmlformats.org/drawingml/2006/main" xmlns:r="http://schemas.openxmlformats.org/officeDocument/2006/relationships" xmlns:p="http://schemas.openxmlformats.org/presentationml/2006/main" saveSubsetFonts="1" autoCompressPictures="0">
   <p:sldMasterIdLst>
-    <p:sldMasterId id="2147483696" r:id="rId1"/>
+    <p:sldMasterId id="2147483732" r:id="rId1"/>
   </p:sldMasterIdLst>
   <p:notesMasterIdLst>
     <p:notesMasterId r:id="rId3"/>
@@ -10,7 +10,7 @@
   <p:sldIdLst>
     <p:sldId id="257" r:id="rId2"/>
   </p:sldIdLst>
-  <p:sldSz cx="6400800" cy="6400800"/>
+  <p:sldSz cx="5486400" cy="7315200"/>
   <p:notesSz cx="6858000" cy="9144000"/>
   <p:defaultTextStyle>
     <a:defPPr>
@@ -197,7 +197,7 @@
           <a:p>
             <a:fld id="{7FBD6D00-5174-A449-9D44-84A3CC40E9AF}" type="datetimeFigureOut">
               <a:rPr lang="en-US" smtClean="0"/>
-              <a:t>6/27/24</a:t>
+              <a:t>11/1/24</a:t>
             </a:fld>
             <a:endParaRPr lang="en-US"/>
           </a:p>
@@ -215,8 +215,8 @@
         </p:nvSpPr>
         <p:spPr>
           <a:xfrm>
-            <a:off x="1885950" y="1143000"/>
-            <a:ext cx="3086100" cy="3086100"/>
+            <a:off x="2271713" y="1143000"/>
+            <a:ext cx="2314575" cy="3086100"/>
           </a:xfrm>
           <a:prstGeom prst="rect">
             <a:avLst/>
@@ -492,7 +492,12 @@
             <p:ph type="sldImg"/>
           </p:nvPr>
         </p:nvSpPr>
-        <p:spPr/>
+        <p:spPr>
+          <a:xfrm>
+            <a:off x="2271713" y="1143000"/>
+            <a:ext cx="2314575" cy="3086100"/>
+          </a:xfrm>
+        </p:spPr>
       </p:sp>
       <p:sp>
         <p:nvSpPr>
@@ -578,15 +583,15 @@
         </p:nvSpPr>
         <p:spPr>
           <a:xfrm>
-            <a:off x="480060" y="1047539"/>
-            <a:ext cx="5440680" cy="2228427"/>
+            <a:off x="411480" y="1197187"/>
+            <a:ext cx="4663440" cy="2546773"/>
           </a:xfrm>
         </p:spPr>
         <p:txBody>
           <a:bodyPr anchor="b"/>
           <a:lstStyle>
             <a:lvl1pPr algn="ctr">
-              <a:defRPr sz="4200"/>
+              <a:defRPr sz="3600"/>
             </a:lvl1pPr>
           </a:lstStyle>
           <a:p>
@@ -610,8 +615,8 @@
         </p:nvSpPr>
         <p:spPr>
           <a:xfrm>
-            <a:off x="800100" y="3361902"/>
-            <a:ext cx="4800600" cy="1545378"/>
+            <a:off x="685800" y="3842174"/>
+            <a:ext cx="4114800" cy="1766146"/>
           </a:xfrm>
         </p:spPr>
         <p:txBody>
@@ -619,39 +624,39 @@
           <a:lstStyle>
             <a:lvl1pPr marL="0" indent="0" algn="ctr">
               <a:buNone/>
-              <a:defRPr sz="1680"/>
+              <a:defRPr sz="1440"/>
             </a:lvl1pPr>
-            <a:lvl2pPr marL="320040" indent="0" algn="ctr">
-              <a:buNone/>
-              <a:defRPr sz="1400"/>
+            <a:lvl2pPr marL="274320" indent="0" algn="ctr">
+              <a:buNone/>
+              <a:defRPr sz="1200"/>
             </a:lvl2pPr>
-            <a:lvl3pPr marL="640080" indent="0" algn="ctr">
-              <a:buNone/>
-              <a:defRPr sz="1260"/>
+            <a:lvl3pPr marL="548640" indent="0" algn="ctr">
+              <a:buNone/>
+              <a:defRPr sz="1080"/>
             </a:lvl3pPr>
-            <a:lvl4pPr marL="960120" indent="0" algn="ctr">
-              <a:buNone/>
-              <a:defRPr sz="1120"/>
+            <a:lvl4pPr marL="822960" indent="0" algn="ctr">
+              <a:buNone/>
+              <a:defRPr sz="960"/>
             </a:lvl4pPr>
-            <a:lvl5pPr marL="1280160" indent="0" algn="ctr">
-              <a:buNone/>
-              <a:defRPr sz="1120"/>
+            <a:lvl5pPr marL="1097280" indent="0" algn="ctr">
+              <a:buNone/>
+              <a:defRPr sz="960"/>
             </a:lvl5pPr>
-            <a:lvl6pPr marL="1600200" indent="0" algn="ctr">
-              <a:buNone/>
-              <a:defRPr sz="1120"/>
+            <a:lvl6pPr marL="1371600" indent="0" algn="ctr">
+              <a:buNone/>
+              <a:defRPr sz="960"/>
             </a:lvl6pPr>
-            <a:lvl7pPr marL="1920240" indent="0" algn="ctr">
-              <a:buNone/>
-              <a:defRPr sz="1120"/>
+            <a:lvl7pPr marL="1645920" indent="0" algn="ctr">
+              <a:buNone/>
+              <a:defRPr sz="960"/>
             </a:lvl7pPr>
-            <a:lvl8pPr marL="2240280" indent="0" algn="ctr">
-              <a:buNone/>
-              <a:defRPr sz="1120"/>
+            <a:lvl8pPr marL="1920240" indent="0" algn="ctr">
+              <a:buNone/>
+              <a:defRPr sz="960"/>
             </a:lvl8pPr>
-            <a:lvl9pPr marL="2560320" indent="0" algn="ctr">
-              <a:buNone/>
-              <a:defRPr sz="1120"/>
+            <a:lvl9pPr marL="2194560" indent="0" algn="ctr">
+              <a:buNone/>
+              <a:defRPr sz="960"/>
             </a:lvl9pPr>
           </a:lstStyle>
           <a:p>
@@ -680,7 +685,7 @@
           <a:p>
             <a:fld id="{A2BAE022-C88F-2B41-9F90-7F832352A141}" type="datetimeFigureOut">
               <a:rPr lang="en-US" smtClean="0"/>
-              <a:t>6/27/24</a:t>
+              <a:t>11/1/24</a:t>
             </a:fld>
             <a:endParaRPr lang="en-US"/>
           </a:p>
@@ -731,7 +736,7 @@
     </p:spTree>
     <p:extLst>
       <p:ext uri="{BB962C8B-B14F-4D97-AF65-F5344CB8AC3E}">
-        <p14:creationId xmlns:p14="http://schemas.microsoft.com/office/powerpoint/2010/main" val="1997483083"/>
+        <p14:creationId xmlns:p14="http://schemas.microsoft.com/office/powerpoint/2010/main" val="3532331371"/>
       </p:ext>
     </p:extLst>
   </p:cSld>
@@ -850,7 +855,7 @@
           <a:p>
             <a:fld id="{A2BAE022-C88F-2B41-9F90-7F832352A141}" type="datetimeFigureOut">
               <a:rPr lang="en-US" smtClean="0"/>
-              <a:t>6/27/24</a:t>
+              <a:t>11/1/24</a:t>
             </a:fld>
             <a:endParaRPr lang="en-US"/>
           </a:p>
@@ -901,7 +906,7 @@
     </p:spTree>
     <p:extLst>
       <p:ext uri="{BB962C8B-B14F-4D97-AF65-F5344CB8AC3E}">
-        <p14:creationId xmlns:p14="http://schemas.microsoft.com/office/powerpoint/2010/main" val="1634178221"/>
+        <p14:creationId xmlns:p14="http://schemas.microsoft.com/office/powerpoint/2010/main" val="2144734535"/>
       </p:ext>
     </p:extLst>
   </p:cSld>
@@ -940,8 +945,8 @@
         </p:nvSpPr>
         <p:spPr>
           <a:xfrm>
-            <a:off x="4580573" y="340783"/>
-            <a:ext cx="1380173" cy="5424382"/>
+            <a:off x="3926205" y="389467"/>
+            <a:ext cx="1183005" cy="6199294"/>
           </a:xfrm>
         </p:spPr>
         <p:txBody>
@@ -968,8 +973,8 @@
         </p:nvSpPr>
         <p:spPr>
           <a:xfrm>
-            <a:off x="440055" y="340783"/>
-            <a:ext cx="4060508" cy="5424382"/>
+            <a:off x="377190" y="389467"/>
+            <a:ext cx="3480435" cy="6199294"/>
           </a:xfrm>
         </p:spPr>
         <p:txBody>
@@ -1030,7 +1035,7 @@
           <a:p>
             <a:fld id="{A2BAE022-C88F-2B41-9F90-7F832352A141}" type="datetimeFigureOut">
               <a:rPr lang="en-US" smtClean="0"/>
-              <a:t>6/27/24</a:t>
+              <a:t>11/1/24</a:t>
             </a:fld>
             <a:endParaRPr lang="en-US"/>
           </a:p>
@@ -1081,7 +1086,7 @@
     </p:spTree>
     <p:extLst>
       <p:ext uri="{BB962C8B-B14F-4D97-AF65-F5344CB8AC3E}">
-        <p14:creationId xmlns:p14="http://schemas.microsoft.com/office/powerpoint/2010/main" val="391675887"/>
+        <p14:creationId xmlns:p14="http://schemas.microsoft.com/office/powerpoint/2010/main" val="3010657600"/>
       </p:ext>
     </p:extLst>
   </p:cSld>
@@ -1200,7 +1205,7 @@
           <a:p>
             <a:fld id="{A2BAE022-C88F-2B41-9F90-7F832352A141}" type="datetimeFigureOut">
               <a:rPr lang="en-US" smtClean="0"/>
-              <a:t>6/27/24</a:t>
+              <a:t>11/1/24</a:t>
             </a:fld>
             <a:endParaRPr lang="en-US"/>
           </a:p>
@@ -1251,7 +1256,7 @@
     </p:spTree>
     <p:extLst>
       <p:ext uri="{BB962C8B-B14F-4D97-AF65-F5344CB8AC3E}">
-        <p14:creationId xmlns:p14="http://schemas.microsoft.com/office/powerpoint/2010/main" val="3288357105"/>
+        <p14:creationId xmlns:p14="http://schemas.microsoft.com/office/powerpoint/2010/main" val="1088581553"/>
       </p:ext>
     </p:extLst>
   </p:cSld>
@@ -1290,15 +1295,15 @@
         </p:nvSpPr>
         <p:spPr>
           <a:xfrm>
-            <a:off x="436722" y="1595757"/>
-            <a:ext cx="5520690" cy="2662555"/>
+            <a:off x="374333" y="1823722"/>
+            <a:ext cx="4732020" cy="3042919"/>
           </a:xfrm>
         </p:spPr>
         <p:txBody>
           <a:bodyPr anchor="b"/>
           <a:lstStyle>
             <a:lvl1pPr>
-              <a:defRPr sz="4200"/>
+              <a:defRPr sz="3600"/>
             </a:lvl1pPr>
           </a:lstStyle>
           <a:p>
@@ -1322,8 +1327,8 @@
         </p:nvSpPr>
         <p:spPr>
           <a:xfrm>
-            <a:off x="436722" y="4283500"/>
-            <a:ext cx="5520690" cy="1400175"/>
+            <a:off x="374333" y="4895429"/>
+            <a:ext cx="4732020" cy="1600199"/>
           </a:xfrm>
         </p:spPr>
         <p:txBody>
@@ -1331,15 +1336,15 @@
           <a:lstStyle>
             <a:lvl1pPr marL="0" indent="0">
               <a:buNone/>
-              <a:defRPr sz="1680">
+              <a:defRPr sz="1440">
                 <a:solidFill>
                   <a:schemeClr val="tx1"/>
                 </a:solidFill>
               </a:defRPr>
             </a:lvl1pPr>
-            <a:lvl2pPr marL="320040" indent="0">
-              <a:buNone/>
-              <a:defRPr sz="1400">
+            <a:lvl2pPr marL="274320" indent="0">
+              <a:buNone/>
+              <a:defRPr sz="1200">
                 <a:solidFill>
                   <a:schemeClr val="tx1">
                     <a:tint val="75000"/>
@@ -1347,9 +1352,9 @@
                 </a:solidFill>
               </a:defRPr>
             </a:lvl2pPr>
-            <a:lvl3pPr marL="640080" indent="0">
-              <a:buNone/>
-              <a:defRPr sz="1260">
+            <a:lvl3pPr marL="548640" indent="0">
+              <a:buNone/>
+              <a:defRPr sz="1080">
                 <a:solidFill>
                   <a:schemeClr val="tx1">
                     <a:tint val="75000"/>
@@ -1357,9 +1362,9 @@
                 </a:solidFill>
               </a:defRPr>
             </a:lvl3pPr>
-            <a:lvl4pPr marL="960120" indent="0">
-              <a:buNone/>
-              <a:defRPr sz="1120">
+            <a:lvl4pPr marL="822960" indent="0">
+              <a:buNone/>
+              <a:defRPr sz="960">
                 <a:solidFill>
                   <a:schemeClr val="tx1">
                     <a:tint val="75000"/>
@@ -1367,9 +1372,9 @@
                 </a:solidFill>
               </a:defRPr>
             </a:lvl4pPr>
-            <a:lvl5pPr marL="1280160" indent="0">
-              <a:buNone/>
-              <a:defRPr sz="1120">
+            <a:lvl5pPr marL="1097280" indent="0">
+              <a:buNone/>
+              <a:defRPr sz="960">
                 <a:solidFill>
                   <a:schemeClr val="tx1">
                     <a:tint val="75000"/>
@@ -1377,9 +1382,9 @@
                 </a:solidFill>
               </a:defRPr>
             </a:lvl5pPr>
-            <a:lvl6pPr marL="1600200" indent="0">
-              <a:buNone/>
-              <a:defRPr sz="1120">
+            <a:lvl6pPr marL="1371600" indent="0">
+              <a:buNone/>
+              <a:defRPr sz="960">
                 <a:solidFill>
                   <a:schemeClr val="tx1">
                     <a:tint val="75000"/>
@@ -1387,9 +1392,9 @@
                 </a:solidFill>
               </a:defRPr>
             </a:lvl6pPr>
-            <a:lvl7pPr marL="1920240" indent="0">
-              <a:buNone/>
-              <a:defRPr sz="1120">
+            <a:lvl7pPr marL="1645920" indent="0">
+              <a:buNone/>
+              <a:defRPr sz="960">
                 <a:solidFill>
                   <a:schemeClr val="tx1">
                     <a:tint val="75000"/>
@@ -1397,9 +1402,9 @@
                 </a:solidFill>
               </a:defRPr>
             </a:lvl7pPr>
-            <a:lvl8pPr marL="2240280" indent="0">
-              <a:buNone/>
-              <a:defRPr sz="1120">
+            <a:lvl8pPr marL="1920240" indent="0">
+              <a:buNone/>
+              <a:defRPr sz="960">
                 <a:solidFill>
                   <a:schemeClr val="tx1">
                     <a:tint val="75000"/>
@@ -1407,9 +1412,9 @@
                 </a:solidFill>
               </a:defRPr>
             </a:lvl8pPr>
-            <a:lvl9pPr marL="2560320" indent="0">
-              <a:buNone/>
-              <a:defRPr sz="1120">
+            <a:lvl9pPr marL="2194560" indent="0">
+              <a:buNone/>
+              <a:defRPr sz="960">
                 <a:solidFill>
                   <a:schemeClr val="tx1">
                     <a:tint val="75000"/>
@@ -1444,7 +1449,7 @@
           <a:p>
             <a:fld id="{A2BAE022-C88F-2B41-9F90-7F832352A141}" type="datetimeFigureOut">
               <a:rPr lang="en-US" smtClean="0"/>
-              <a:t>6/27/24</a:t>
+              <a:t>11/1/24</a:t>
             </a:fld>
             <a:endParaRPr lang="en-US"/>
           </a:p>
@@ -1495,7 +1500,7 @@
     </p:spTree>
     <p:extLst>
       <p:ext uri="{BB962C8B-B14F-4D97-AF65-F5344CB8AC3E}">
-        <p14:creationId xmlns:p14="http://schemas.microsoft.com/office/powerpoint/2010/main" val="2050321567"/>
+        <p14:creationId xmlns:p14="http://schemas.microsoft.com/office/powerpoint/2010/main" val="3875249080"/>
       </p:ext>
     </p:extLst>
   </p:cSld>
@@ -1557,8 +1562,8 @@
         </p:nvSpPr>
         <p:spPr>
           <a:xfrm>
-            <a:off x="440055" y="1703917"/>
-            <a:ext cx="2720340" cy="4061249"/>
+            <a:off x="377190" y="1947333"/>
+            <a:ext cx="2331720" cy="4641427"/>
           </a:xfrm>
         </p:spPr>
         <p:txBody>
@@ -1614,8 +1619,8 @@
         </p:nvSpPr>
         <p:spPr>
           <a:xfrm>
-            <a:off x="3240405" y="1703917"/>
-            <a:ext cx="2720340" cy="4061249"/>
+            <a:off x="2777490" y="1947333"/>
+            <a:ext cx="2331720" cy="4641427"/>
           </a:xfrm>
         </p:spPr>
         <p:txBody>
@@ -1676,7 +1681,7 @@
           <a:p>
             <a:fld id="{A2BAE022-C88F-2B41-9F90-7F832352A141}" type="datetimeFigureOut">
               <a:rPr lang="en-US" smtClean="0"/>
-              <a:t>6/27/24</a:t>
+              <a:t>11/1/24</a:t>
             </a:fld>
             <a:endParaRPr lang="en-US"/>
           </a:p>
@@ -1727,7 +1732,7 @@
     </p:spTree>
     <p:extLst>
       <p:ext uri="{BB962C8B-B14F-4D97-AF65-F5344CB8AC3E}">
-        <p14:creationId xmlns:p14="http://schemas.microsoft.com/office/powerpoint/2010/main" val="2196243869"/>
+        <p14:creationId xmlns:p14="http://schemas.microsoft.com/office/powerpoint/2010/main" val="3269764010"/>
       </p:ext>
     </p:extLst>
   </p:cSld>
@@ -1766,8 +1771,8 @@
         </p:nvSpPr>
         <p:spPr>
           <a:xfrm>
-            <a:off x="440889" y="340785"/>
-            <a:ext cx="5520690" cy="1237192"/>
+            <a:off x="377905" y="389468"/>
+            <a:ext cx="4732020" cy="1413934"/>
           </a:xfrm>
         </p:spPr>
         <p:txBody>
@@ -1794,8 +1799,8 @@
         </p:nvSpPr>
         <p:spPr>
           <a:xfrm>
-            <a:off x="440889" y="1569085"/>
-            <a:ext cx="2707838" cy="768985"/>
+            <a:off x="377905" y="1793241"/>
+            <a:ext cx="2321004" cy="878839"/>
           </a:xfrm>
         </p:spPr>
         <p:txBody>
@@ -1803,39 +1808,39 @@
           <a:lstStyle>
             <a:lvl1pPr marL="0" indent="0">
               <a:buNone/>
-              <a:defRPr sz="1680" b="1"/>
+              <a:defRPr sz="1440" b="1"/>
             </a:lvl1pPr>
-            <a:lvl2pPr marL="320040" indent="0">
-              <a:buNone/>
-              <a:defRPr sz="1400" b="1"/>
+            <a:lvl2pPr marL="274320" indent="0">
+              <a:buNone/>
+              <a:defRPr sz="1200" b="1"/>
             </a:lvl2pPr>
-            <a:lvl3pPr marL="640080" indent="0">
-              <a:buNone/>
-              <a:defRPr sz="1260" b="1"/>
+            <a:lvl3pPr marL="548640" indent="0">
+              <a:buNone/>
+              <a:defRPr sz="1080" b="1"/>
             </a:lvl3pPr>
-            <a:lvl4pPr marL="960120" indent="0">
-              <a:buNone/>
-              <a:defRPr sz="1120" b="1"/>
+            <a:lvl4pPr marL="822960" indent="0">
+              <a:buNone/>
+              <a:defRPr sz="960" b="1"/>
             </a:lvl4pPr>
-            <a:lvl5pPr marL="1280160" indent="0">
-              <a:buNone/>
-              <a:defRPr sz="1120" b="1"/>
+            <a:lvl5pPr marL="1097280" indent="0">
+              <a:buNone/>
+              <a:defRPr sz="960" b="1"/>
             </a:lvl5pPr>
-            <a:lvl6pPr marL="1600200" indent="0">
-              <a:buNone/>
-              <a:defRPr sz="1120" b="1"/>
+            <a:lvl6pPr marL="1371600" indent="0">
+              <a:buNone/>
+              <a:defRPr sz="960" b="1"/>
             </a:lvl6pPr>
-            <a:lvl7pPr marL="1920240" indent="0">
-              <a:buNone/>
-              <a:defRPr sz="1120" b="1"/>
+            <a:lvl7pPr marL="1645920" indent="0">
+              <a:buNone/>
+              <a:defRPr sz="960" b="1"/>
             </a:lvl7pPr>
-            <a:lvl8pPr marL="2240280" indent="0">
-              <a:buNone/>
-              <a:defRPr sz="1120" b="1"/>
+            <a:lvl8pPr marL="1920240" indent="0">
+              <a:buNone/>
+              <a:defRPr sz="960" b="1"/>
             </a:lvl8pPr>
-            <a:lvl9pPr marL="2560320" indent="0">
-              <a:buNone/>
-              <a:defRPr sz="1120" b="1"/>
+            <a:lvl9pPr marL="2194560" indent="0">
+              <a:buNone/>
+              <a:defRPr sz="960" b="1"/>
             </a:lvl9pPr>
           </a:lstStyle>
           <a:p>
@@ -1859,8 +1864,8 @@
         </p:nvSpPr>
         <p:spPr>
           <a:xfrm>
-            <a:off x="440889" y="2338070"/>
-            <a:ext cx="2707838" cy="3438949"/>
+            <a:off x="377905" y="2672080"/>
+            <a:ext cx="2321004" cy="3930227"/>
           </a:xfrm>
         </p:spPr>
         <p:txBody>
@@ -1916,8 +1921,8 @@
         </p:nvSpPr>
         <p:spPr>
           <a:xfrm>
-            <a:off x="3240405" y="1569085"/>
-            <a:ext cx="2721174" cy="768985"/>
+            <a:off x="2777490" y="1793241"/>
+            <a:ext cx="2332435" cy="878839"/>
           </a:xfrm>
         </p:spPr>
         <p:txBody>
@@ -1925,39 +1930,39 @@
           <a:lstStyle>
             <a:lvl1pPr marL="0" indent="0">
               <a:buNone/>
-              <a:defRPr sz="1680" b="1"/>
+              <a:defRPr sz="1440" b="1"/>
             </a:lvl1pPr>
-            <a:lvl2pPr marL="320040" indent="0">
-              <a:buNone/>
-              <a:defRPr sz="1400" b="1"/>
+            <a:lvl2pPr marL="274320" indent="0">
+              <a:buNone/>
+              <a:defRPr sz="1200" b="1"/>
             </a:lvl2pPr>
-            <a:lvl3pPr marL="640080" indent="0">
-              <a:buNone/>
-              <a:defRPr sz="1260" b="1"/>
+            <a:lvl3pPr marL="548640" indent="0">
+              <a:buNone/>
+              <a:defRPr sz="1080" b="1"/>
             </a:lvl3pPr>
-            <a:lvl4pPr marL="960120" indent="0">
-              <a:buNone/>
-              <a:defRPr sz="1120" b="1"/>
+            <a:lvl4pPr marL="822960" indent="0">
+              <a:buNone/>
+              <a:defRPr sz="960" b="1"/>
             </a:lvl4pPr>
-            <a:lvl5pPr marL="1280160" indent="0">
-              <a:buNone/>
-              <a:defRPr sz="1120" b="1"/>
+            <a:lvl5pPr marL="1097280" indent="0">
+              <a:buNone/>
+              <a:defRPr sz="960" b="1"/>
             </a:lvl5pPr>
-            <a:lvl6pPr marL="1600200" indent="0">
-              <a:buNone/>
-              <a:defRPr sz="1120" b="1"/>
+            <a:lvl6pPr marL="1371600" indent="0">
+              <a:buNone/>
+              <a:defRPr sz="960" b="1"/>
             </a:lvl6pPr>
-            <a:lvl7pPr marL="1920240" indent="0">
-              <a:buNone/>
-              <a:defRPr sz="1120" b="1"/>
+            <a:lvl7pPr marL="1645920" indent="0">
+              <a:buNone/>
+              <a:defRPr sz="960" b="1"/>
             </a:lvl7pPr>
-            <a:lvl8pPr marL="2240280" indent="0">
-              <a:buNone/>
-              <a:defRPr sz="1120" b="1"/>
+            <a:lvl8pPr marL="1920240" indent="0">
+              <a:buNone/>
+              <a:defRPr sz="960" b="1"/>
             </a:lvl8pPr>
-            <a:lvl9pPr marL="2560320" indent="0">
-              <a:buNone/>
-              <a:defRPr sz="1120" b="1"/>
+            <a:lvl9pPr marL="2194560" indent="0">
+              <a:buNone/>
+              <a:defRPr sz="960" b="1"/>
             </a:lvl9pPr>
           </a:lstStyle>
           <a:p>
@@ -1981,8 +1986,8 @@
         </p:nvSpPr>
         <p:spPr>
           <a:xfrm>
-            <a:off x="3240405" y="2338070"/>
-            <a:ext cx="2721174" cy="3438949"/>
+            <a:off x="2777490" y="2672080"/>
+            <a:ext cx="2332435" cy="3930227"/>
           </a:xfrm>
         </p:spPr>
         <p:txBody>
@@ -2043,7 +2048,7 @@
           <a:p>
             <a:fld id="{A2BAE022-C88F-2B41-9F90-7F832352A141}" type="datetimeFigureOut">
               <a:rPr lang="en-US" smtClean="0"/>
-              <a:t>6/27/24</a:t>
+              <a:t>11/1/24</a:t>
             </a:fld>
             <a:endParaRPr lang="en-US"/>
           </a:p>
@@ -2094,7 +2099,7 @@
     </p:spTree>
     <p:extLst>
       <p:ext uri="{BB962C8B-B14F-4D97-AF65-F5344CB8AC3E}">
-        <p14:creationId xmlns:p14="http://schemas.microsoft.com/office/powerpoint/2010/main" val="303291884"/>
+        <p14:creationId xmlns:p14="http://schemas.microsoft.com/office/powerpoint/2010/main" val="2740440176"/>
       </p:ext>
     </p:extLst>
   </p:cSld>
@@ -2161,7 +2166,7 @@
           <a:p>
             <a:fld id="{A2BAE022-C88F-2B41-9F90-7F832352A141}" type="datetimeFigureOut">
               <a:rPr lang="en-US" smtClean="0"/>
-              <a:t>6/27/24</a:t>
+              <a:t>11/1/24</a:t>
             </a:fld>
             <a:endParaRPr lang="en-US"/>
           </a:p>
@@ -2212,7 +2217,7 @@
     </p:spTree>
     <p:extLst>
       <p:ext uri="{BB962C8B-B14F-4D97-AF65-F5344CB8AC3E}">
-        <p14:creationId xmlns:p14="http://schemas.microsoft.com/office/powerpoint/2010/main" val="3740532185"/>
+        <p14:creationId xmlns:p14="http://schemas.microsoft.com/office/powerpoint/2010/main" val="1207206404"/>
       </p:ext>
     </p:extLst>
   </p:cSld>
@@ -2256,7 +2261,7 @@
           <a:p>
             <a:fld id="{A2BAE022-C88F-2B41-9F90-7F832352A141}" type="datetimeFigureOut">
               <a:rPr lang="en-US" smtClean="0"/>
-              <a:t>6/27/24</a:t>
+              <a:t>11/1/24</a:t>
             </a:fld>
             <a:endParaRPr lang="en-US"/>
           </a:p>
@@ -2307,7 +2312,7 @@
     </p:spTree>
     <p:extLst>
       <p:ext uri="{BB962C8B-B14F-4D97-AF65-F5344CB8AC3E}">
-        <p14:creationId xmlns:p14="http://schemas.microsoft.com/office/powerpoint/2010/main" val="697376125"/>
+        <p14:creationId xmlns:p14="http://schemas.microsoft.com/office/powerpoint/2010/main" val="3151800"/>
       </p:ext>
     </p:extLst>
   </p:cSld>
@@ -2346,15 +2351,15 @@
         </p:nvSpPr>
         <p:spPr>
           <a:xfrm>
-            <a:off x="440889" y="426720"/>
-            <a:ext cx="2064425" cy="1493520"/>
+            <a:off x="377905" y="487680"/>
+            <a:ext cx="1769507" cy="1706880"/>
           </a:xfrm>
         </p:spPr>
         <p:txBody>
           <a:bodyPr anchor="b"/>
           <a:lstStyle>
             <a:lvl1pPr>
-              <a:defRPr sz="2240"/>
+              <a:defRPr sz="1920"/>
             </a:lvl1pPr>
           </a:lstStyle>
           <a:p>
@@ -2378,39 +2383,39 @@
         </p:nvSpPr>
         <p:spPr>
           <a:xfrm>
-            <a:off x="2721174" y="921598"/>
-            <a:ext cx="3240405" cy="4548717"/>
+            <a:off x="2332435" y="1053255"/>
+            <a:ext cx="2777490" cy="5198533"/>
           </a:xfrm>
         </p:spPr>
         <p:txBody>
           <a:bodyPr/>
           <a:lstStyle>
             <a:lvl1pPr>
-              <a:defRPr sz="2240"/>
+              <a:defRPr sz="1920"/>
             </a:lvl1pPr>
             <a:lvl2pPr>
-              <a:defRPr sz="1960"/>
+              <a:defRPr sz="1680"/>
             </a:lvl2pPr>
             <a:lvl3pPr>
-              <a:defRPr sz="1680"/>
+              <a:defRPr sz="1440"/>
             </a:lvl3pPr>
             <a:lvl4pPr>
-              <a:defRPr sz="1400"/>
+              <a:defRPr sz="1200"/>
             </a:lvl4pPr>
             <a:lvl5pPr>
-              <a:defRPr sz="1400"/>
+              <a:defRPr sz="1200"/>
             </a:lvl5pPr>
             <a:lvl6pPr>
-              <a:defRPr sz="1400"/>
+              <a:defRPr sz="1200"/>
             </a:lvl6pPr>
             <a:lvl7pPr>
-              <a:defRPr sz="1400"/>
+              <a:defRPr sz="1200"/>
             </a:lvl7pPr>
             <a:lvl8pPr>
-              <a:defRPr sz="1400"/>
+              <a:defRPr sz="1200"/>
             </a:lvl8pPr>
             <a:lvl9pPr>
-              <a:defRPr sz="1400"/>
+              <a:defRPr sz="1200"/>
             </a:lvl9pPr>
           </a:lstStyle>
           <a:p>
@@ -2463,8 +2468,8 @@
         </p:nvSpPr>
         <p:spPr>
           <a:xfrm>
-            <a:off x="440889" y="1920240"/>
-            <a:ext cx="2064425" cy="3557482"/>
+            <a:off x="377905" y="2194560"/>
+            <a:ext cx="1769507" cy="4065694"/>
           </a:xfrm>
         </p:spPr>
         <p:txBody>
@@ -2472,39 +2477,39 @@
           <a:lstStyle>
             <a:lvl1pPr marL="0" indent="0">
               <a:buNone/>
-              <a:defRPr sz="1120"/>
+              <a:defRPr sz="960"/>
             </a:lvl1pPr>
-            <a:lvl2pPr marL="320040" indent="0">
-              <a:buNone/>
-              <a:defRPr sz="980"/>
+            <a:lvl2pPr marL="274320" indent="0">
+              <a:buNone/>
+              <a:defRPr sz="840"/>
             </a:lvl2pPr>
-            <a:lvl3pPr marL="640080" indent="0">
-              <a:buNone/>
-              <a:defRPr sz="840"/>
+            <a:lvl3pPr marL="548640" indent="0">
+              <a:buNone/>
+              <a:defRPr sz="720"/>
             </a:lvl3pPr>
-            <a:lvl4pPr marL="960120" indent="0">
-              <a:buNone/>
-              <a:defRPr sz="700"/>
+            <a:lvl4pPr marL="822960" indent="0">
+              <a:buNone/>
+              <a:defRPr sz="600"/>
             </a:lvl4pPr>
-            <a:lvl5pPr marL="1280160" indent="0">
-              <a:buNone/>
-              <a:defRPr sz="700"/>
+            <a:lvl5pPr marL="1097280" indent="0">
+              <a:buNone/>
+              <a:defRPr sz="600"/>
             </a:lvl5pPr>
-            <a:lvl6pPr marL="1600200" indent="0">
-              <a:buNone/>
-              <a:defRPr sz="700"/>
+            <a:lvl6pPr marL="1371600" indent="0">
+              <a:buNone/>
+              <a:defRPr sz="600"/>
             </a:lvl6pPr>
-            <a:lvl7pPr marL="1920240" indent="0">
-              <a:buNone/>
-              <a:defRPr sz="700"/>
+            <a:lvl7pPr marL="1645920" indent="0">
+              <a:buNone/>
+              <a:defRPr sz="600"/>
             </a:lvl7pPr>
-            <a:lvl8pPr marL="2240280" indent="0">
-              <a:buNone/>
-              <a:defRPr sz="700"/>
+            <a:lvl8pPr marL="1920240" indent="0">
+              <a:buNone/>
+              <a:defRPr sz="600"/>
             </a:lvl8pPr>
-            <a:lvl9pPr marL="2560320" indent="0">
-              <a:buNone/>
-              <a:defRPr sz="700"/>
+            <a:lvl9pPr marL="2194560" indent="0">
+              <a:buNone/>
+              <a:defRPr sz="600"/>
             </a:lvl9pPr>
           </a:lstStyle>
           <a:p>
@@ -2533,7 +2538,7 @@
           <a:p>
             <a:fld id="{A2BAE022-C88F-2B41-9F90-7F832352A141}" type="datetimeFigureOut">
               <a:rPr lang="en-US" smtClean="0"/>
-              <a:t>6/27/24</a:t>
+              <a:t>11/1/24</a:t>
             </a:fld>
             <a:endParaRPr lang="en-US"/>
           </a:p>
@@ -2584,7 +2589,7 @@
     </p:spTree>
     <p:extLst>
       <p:ext uri="{BB962C8B-B14F-4D97-AF65-F5344CB8AC3E}">
-        <p14:creationId xmlns:p14="http://schemas.microsoft.com/office/powerpoint/2010/main" val="1022120094"/>
+        <p14:creationId xmlns:p14="http://schemas.microsoft.com/office/powerpoint/2010/main" val="3422814197"/>
       </p:ext>
     </p:extLst>
   </p:cSld>
@@ -2623,15 +2628,15 @@
         </p:nvSpPr>
         <p:spPr>
           <a:xfrm>
-            <a:off x="440889" y="426720"/>
-            <a:ext cx="2064425" cy="1493520"/>
+            <a:off x="377905" y="487680"/>
+            <a:ext cx="1769507" cy="1706880"/>
           </a:xfrm>
         </p:spPr>
         <p:txBody>
           <a:bodyPr anchor="b"/>
           <a:lstStyle>
             <a:lvl1pPr>
-              <a:defRPr sz="2240"/>
+              <a:defRPr sz="1920"/>
             </a:lvl1pPr>
           </a:lstStyle>
           <a:p>
@@ -2655,8 +2660,8 @@
         </p:nvSpPr>
         <p:spPr>
           <a:xfrm>
-            <a:off x="2721174" y="921598"/>
-            <a:ext cx="3240405" cy="4548717"/>
+            <a:off x="2332435" y="1053255"/>
+            <a:ext cx="2777490" cy="5198533"/>
           </a:xfrm>
         </p:spPr>
         <p:txBody>
@@ -2664,39 +2669,39 @@
           <a:lstStyle>
             <a:lvl1pPr marL="0" indent="0">
               <a:buNone/>
-              <a:defRPr sz="2240"/>
+              <a:defRPr sz="1920"/>
             </a:lvl1pPr>
-            <a:lvl2pPr marL="320040" indent="0">
-              <a:buNone/>
-              <a:defRPr sz="1960"/>
+            <a:lvl2pPr marL="274320" indent="0">
+              <a:buNone/>
+              <a:defRPr sz="1680"/>
             </a:lvl2pPr>
-            <a:lvl3pPr marL="640080" indent="0">
-              <a:buNone/>
-              <a:defRPr sz="1680"/>
+            <a:lvl3pPr marL="548640" indent="0">
+              <a:buNone/>
+              <a:defRPr sz="1440"/>
             </a:lvl3pPr>
-            <a:lvl4pPr marL="960120" indent="0">
-              <a:buNone/>
-              <a:defRPr sz="1400"/>
+            <a:lvl4pPr marL="822960" indent="0">
+              <a:buNone/>
+              <a:defRPr sz="1200"/>
             </a:lvl4pPr>
-            <a:lvl5pPr marL="1280160" indent="0">
-              <a:buNone/>
-              <a:defRPr sz="1400"/>
+            <a:lvl5pPr marL="1097280" indent="0">
+              <a:buNone/>
+              <a:defRPr sz="1200"/>
             </a:lvl5pPr>
-            <a:lvl6pPr marL="1600200" indent="0">
-              <a:buNone/>
-              <a:defRPr sz="1400"/>
+            <a:lvl6pPr marL="1371600" indent="0">
+              <a:buNone/>
+              <a:defRPr sz="1200"/>
             </a:lvl6pPr>
-            <a:lvl7pPr marL="1920240" indent="0">
-              <a:buNone/>
-              <a:defRPr sz="1400"/>
+            <a:lvl7pPr marL="1645920" indent="0">
+              <a:buNone/>
+              <a:defRPr sz="1200"/>
             </a:lvl7pPr>
-            <a:lvl8pPr marL="2240280" indent="0">
-              <a:buNone/>
-              <a:defRPr sz="1400"/>
+            <a:lvl8pPr marL="1920240" indent="0">
+              <a:buNone/>
+              <a:defRPr sz="1200"/>
             </a:lvl8pPr>
-            <a:lvl9pPr marL="2560320" indent="0">
-              <a:buNone/>
-              <a:defRPr sz="1400"/>
+            <a:lvl9pPr marL="2194560" indent="0">
+              <a:buNone/>
+              <a:defRPr sz="1200"/>
             </a:lvl9pPr>
           </a:lstStyle>
           <a:p>
@@ -2720,8 +2725,8 @@
         </p:nvSpPr>
         <p:spPr>
           <a:xfrm>
-            <a:off x="440889" y="1920240"/>
-            <a:ext cx="2064425" cy="3557482"/>
+            <a:off x="377905" y="2194560"/>
+            <a:ext cx="1769507" cy="4065694"/>
           </a:xfrm>
         </p:spPr>
         <p:txBody>
@@ -2729,39 +2734,39 @@
           <a:lstStyle>
             <a:lvl1pPr marL="0" indent="0">
               <a:buNone/>
-              <a:defRPr sz="1120"/>
+              <a:defRPr sz="960"/>
             </a:lvl1pPr>
-            <a:lvl2pPr marL="320040" indent="0">
-              <a:buNone/>
-              <a:defRPr sz="980"/>
+            <a:lvl2pPr marL="274320" indent="0">
+              <a:buNone/>
+              <a:defRPr sz="840"/>
             </a:lvl2pPr>
-            <a:lvl3pPr marL="640080" indent="0">
-              <a:buNone/>
-              <a:defRPr sz="840"/>
+            <a:lvl3pPr marL="548640" indent="0">
+              <a:buNone/>
+              <a:defRPr sz="720"/>
             </a:lvl3pPr>
-            <a:lvl4pPr marL="960120" indent="0">
-              <a:buNone/>
-              <a:defRPr sz="700"/>
+            <a:lvl4pPr marL="822960" indent="0">
+              <a:buNone/>
+              <a:defRPr sz="600"/>
             </a:lvl4pPr>
-            <a:lvl5pPr marL="1280160" indent="0">
-              <a:buNone/>
-              <a:defRPr sz="700"/>
+            <a:lvl5pPr marL="1097280" indent="0">
+              <a:buNone/>
+              <a:defRPr sz="600"/>
             </a:lvl5pPr>
-            <a:lvl6pPr marL="1600200" indent="0">
-              <a:buNone/>
-              <a:defRPr sz="700"/>
+            <a:lvl6pPr marL="1371600" indent="0">
+              <a:buNone/>
+              <a:defRPr sz="600"/>
             </a:lvl6pPr>
-            <a:lvl7pPr marL="1920240" indent="0">
-              <a:buNone/>
-              <a:defRPr sz="700"/>
+            <a:lvl7pPr marL="1645920" indent="0">
+              <a:buNone/>
+              <a:defRPr sz="600"/>
             </a:lvl7pPr>
-            <a:lvl8pPr marL="2240280" indent="0">
-              <a:buNone/>
-              <a:defRPr sz="700"/>
+            <a:lvl8pPr marL="1920240" indent="0">
+              <a:buNone/>
+              <a:defRPr sz="600"/>
             </a:lvl8pPr>
-            <a:lvl9pPr marL="2560320" indent="0">
-              <a:buNone/>
-              <a:defRPr sz="700"/>
+            <a:lvl9pPr marL="2194560" indent="0">
+              <a:buNone/>
+              <a:defRPr sz="600"/>
             </a:lvl9pPr>
           </a:lstStyle>
           <a:p>
@@ -2790,7 +2795,7 @@
           <a:p>
             <a:fld id="{A2BAE022-C88F-2B41-9F90-7F832352A141}" type="datetimeFigureOut">
               <a:rPr lang="en-US" smtClean="0"/>
-              <a:t>6/27/24</a:t>
+              <a:t>11/1/24</a:t>
             </a:fld>
             <a:endParaRPr lang="en-US"/>
           </a:p>
@@ -2841,7 +2846,7 @@
     </p:spTree>
     <p:extLst>
       <p:ext uri="{BB962C8B-B14F-4D97-AF65-F5344CB8AC3E}">
-        <p14:creationId xmlns:p14="http://schemas.microsoft.com/office/powerpoint/2010/main" val="509089655"/>
+        <p14:creationId xmlns:p14="http://schemas.microsoft.com/office/powerpoint/2010/main" val="3429813052"/>
       </p:ext>
     </p:extLst>
   </p:cSld>
@@ -2885,8 +2890,8 @@
         </p:nvSpPr>
         <p:spPr>
           <a:xfrm>
-            <a:off x="440055" y="340785"/>
-            <a:ext cx="5520690" cy="1237192"/>
+            <a:off x="377190" y="389468"/>
+            <a:ext cx="4732020" cy="1413934"/>
           </a:xfrm>
           <a:prstGeom prst="rect">
             <a:avLst/>
@@ -2918,8 +2923,8 @@
         </p:nvSpPr>
         <p:spPr>
           <a:xfrm>
-            <a:off x="440055" y="1703917"/>
-            <a:ext cx="5520690" cy="4061249"/>
+            <a:off x="377190" y="1947333"/>
+            <a:ext cx="4732020" cy="4641427"/>
           </a:xfrm>
           <a:prstGeom prst="rect">
             <a:avLst/>
@@ -2980,8 +2985,8 @@
         </p:nvSpPr>
         <p:spPr>
           <a:xfrm>
-            <a:off x="440055" y="5932595"/>
-            <a:ext cx="1440180" cy="340783"/>
+            <a:off x="377190" y="6780108"/>
+            <a:ext cx="1234440" cy="389467"/>
           </a:xfrm>
           <a:prstGeom prst="rect">
             <a:avLst/>
@@ -2991,7 +2996,7 @@
           <a:bodyPr vert="horz" lIns="91440" tIns="45720" rIns="91440" bIns="45720" rtlCol="0" anchor="ctr"/>
           <a:lstStyle>
             <a:lvl1pPr algn="l">
-              <a:defRPr sz="840">
+              <a:defRPr sz="720">
                 <a:solidFill>
                   <a:schemeClr val="tx1">
                     <a:tint val="75000"/>
@@ -3003,7 +3008,7 @@
           <a:p>
             <a:fld id="{A2BAE022-C88F-2B41-9F90-7F832352A141}" type="datetimeFigureOut">
               <a:rPr lang="en-US" smtClean="0"/>
-              <a:t>6/27/24</a:t>
+              <a:t>11/1/24</a:t>
             </a:fld>
             <a:endParaRPr lang="en-US"/>
           </a:p>
@@ -3021,8 +3026,8 @@
         </p:nvSpPr>
         <p:spPr>
           <a:xfrm>
-            <a:off x="2120265" y="5932595"/>
-            <a:ext cx="2160270" cy="340783"/>
+            <a:off x="1817370" y="6780108"/>
+            <a:ext cx="1851660" cy="389467"/>
           </a:xfrm>
           <a:prstGeom prst="rect">
             <a:avLst/>
@@ -3032,7 +3037,7 @@
           <a:bodyPr vert="horz" lIns="91440" tIns="45720" rIns="91440" bIns="45720" rtlCol="0" anchor="ctr"/>
           <a:lstStyle>
             <a:lvl1pPr algn="ctr">
-              <a:defRPr sz="840">
+              <a:defRPr sz="720">
                 <a:solidFill>
                   <a:schemeClr val="tx1">
                     <a:tint val="75000"/>
@@ -3058,8 +3063,8 @@
         </p:nvSpPr>
         <p:spPr>
           <a:xfrm>
-            <a:off x="4520565" y="5932595"/>
-            <a:ext cx="1440180" cy="340783"/>
+            <a:off x="3874770" y="6780108"/>
+            <a:ext cx="1234440" cy="389467"/>
           </a:xfrm>
           <a:prstGeom prst="rect">
             <a:avLst/>
@@ -3069,7 +3074,7 @@
           <a:bodyPr vert="horz" lIns="91440" tIns="45720" rIns="91440" bIns="45720" rtlCol="0" anchor="ctr"/>
           <a:lstStyle>
             <a:lvl1pPr algn="r">
-              <a:defRPr sz="840">
+              <a:defRPr sz="720">
                 <a:solidFill>
                   <a:schemeClr val="tx1">
                     <a:tint val="75000"/>
@@ -3090,27 +3095,27 @@
     </p:spTree>
     <p:extLst>
       <p:ext uri="{BB962C8B-B14F-4D97-AF65-F5344CB8AC3E}">
-        <p14:creationId xmlns:p14="http://schemas.microsoft.com/office/powerpoint/2010/main" val="2038380324"/>
+        <p14:creationId xmlns:p14="http://schemas.microsoft.com/office/powerpoint/2010/main" val="222536720"/>
       </p:ext>
     </p:extLst>
   </p:cSld>
   <p:clrMap bg1="lt1" tx1="dk1" bg2="lt2" tx2="dk2" accent1="accent1" accent2="accent2" accent3="accent3" accent4="accent4" accent5="accent5" accent6="accent6" hlink="hlink" folHlink="folHlink"/>
   <p:sldLayoutIdLst>
-    <p:sldLayoutId id="2147483697" r:id="rId1"/>
-    <p:sldLayoutId id="2147483698" r:id="rId2"/>
-    <p:sldLayoutId id="2147483699" r:id="rId3"/>
-    <p:sldLayoutId id="2147483700" r:id="rId4"/>
-    <p:sldLayoutId id="2147483701" r:id="rId5"/>
-    <p:sldLayoutId id="2147483702" r:id="rId6"/>
-    <p:sldLayoutId id="2147483703" r:id="rId7"/>
-    <p:sldLayoutId id="2147483704" r:id="rId8"/>
-    <p:sldLayoutId id="2147483705" r:id="rId9"/>
-    <p:sldLayoutId id="2147483706" r:id="rId10"/>
-    <p:sldLayoutId id="2147483707" r:id="rId11"/>
+    <p:sldLayoutId id="2147483733" r:id="rId1"/>
+    <p:sldLayoutId id="2147483734" r:id="rId2"/>
+    <p:sldLayoutId id="2147483735" r:id="rId3"/>
+    <p:sldLayoutId id="2147483736" r:id="rId4"/>
+    <p:sldLayoutId id="2147483737" r:id="rId5"/>
+    <p:sldLayoutId id="2147483738" r:id="rId6"/>
+    <p:sldLayoutId id="2147483739" r:id="rId7"/>
+    <p:sldLayoutId id="2147483740" r:id="rId8"/>
+    <p:sldLayoutId id="2147483741" r:id="rId9"/>
+    <p:sldLayoutId id="2147483742" r:id="rId10"/>
+    <p:sldLayoutId id="2147483743" r:id="rId11"/>
   </p:sldLayoutIdLst>
   <p:txStyles>
     <p:titleStyle>
-      <a:lvl1pPr algn="l" defTabSz="640080" rtl="0" eaLnBrk="1" latinLnBrk="0" hangingPunct="1">
+      <a:lvl1pPr algn="l" defTabSz="548640" rtl="0" eaLnBrk="1" latinLnBrk="0" hangingPunct="1">
         <a:lnSpc>
           <a:spcPct val="90000"/>
         </a:lnSpc>
@@ -3118,7 +3123,7 @@
           <a:spcPct val="0"/>
         </a:spcBef>
         <a:buNone/>
-        <a:defRPr sz="3080" kern="1200">
+        <a:defRPr sz="2640" kern="1200">
           <a:solidFill>
             <a:schemeClr val="tx1"/>
           </a:solidFill>
@@ -3129,30 +3134,12 @@
       </a:lvl1pPr>
     </p:titleStyle>
     <p:bodyStyle>
-      <a:lvl1pPr marL="160020" indent="-160020" algn="l" defTabSz="640080" rtl="0" eaLnBrk="1" latinLnBrk="0" hangingPunct="1">
+      <a:lvl1pPr marL="137160" indent="-137160" algn="l" defTabSz="548640" rtl="0" eaLnBrk="1" latinLnBrk="0" hangingPunct="1">
         <a:lnSpc>
           <a:spcPct val="90000"/>
         </a:lnSpc>
         <a:spcBef>
-          <a:spcPts val="700"/>
-        </a:spcBef>
-        <a:buFont typeface="Arial" panose="020B0604020202020204" pitchFamily="34" charset="0"/>
-        <a:buChar char="•"/>
-        <a:defRPr sz="1960" kern="1200">
-          <a:solidFill>
-            <a:schemeClr val="tx1"/>
-          </a:solidFill>
-          <a:latin typeface="+mn-lt"/>
-          <a:ea typeface="+mn-ea"/>
-          <a:cs typeface="+mn-cs"/>
-        </a:defRPr>
-      </a:lvl1pPr>
-      <a:lvl2pPr marL="480060" indent="-160020" algn="l" defTabSz="640080" rtl="0" eaLnBrk="1" latinLnBrk="0" hangingPunct="1">
-        <a:lnSpc>
-          <a:spcPct val="90000"/>
-        </a:lnSpc>
-        <a:spcBef>
-          <a:spcPts val="350"/>
+          <a:spcPts val="600"/>
         </a:spcBef>
         <a:buFont typeface="Arial" panose="020B0604020202020204" pitchFamily="34" charset="0"/>
         <a:buChar char="•"/>
@@ -3164,17 +3151,35 @@
           <a:ea typeface="+mn-ea"/>
           <a:cs typeface="+mn-cs"/>
         </a:defRPr>
-      </a:lvl2pPr>
-      <a:lvl3pPr marL="800100" indent="-160020" algn="l" defTabSz="640080" rtl="0" eaLnBrk="1" latinLnBrk="0" hangingPunct="1">
+      </a:lvl1pPr>
+      <a:lvl2pPr marL="411480" indent="-137160" algn="l" defTabSz="548640" rtl="0" eaLnBrk="1" latinLnBrk="0" hangingPunct="1">
         <a:lnSpc>
           <a:spcPct val="90000"/>
         </a:lnSpc>
         <a:spcBef>
-          <a:spcPts val="350"/>
+          <a:spcPts val="300"/>
         </a:spcBef>
         <a:buFont typeface="Arial" panose="020B0604020202020204" pitchFamily="34" charset="0"/>
         <a:buChar char="•"/>
-        <a:defRPr sz="1400" kern="1200">
+        <a:defRPr sz="1440" kern="1200">
+          <a:solidFill>
+            <a:schemeClr val="tx1"/>
+          </a:solidFill>
+          <a:latin typeface="+mn-lt"/>
+          <a:ea typeface="+mn-ea"/>
+          <a:cs typeface="+mn-cs"/>
+        </a:defRPr>
+      </a:lvl2pPr>
+      <a:lvl3pPr marL="685800" indent="-137160" algn="l" defTabSz="548640" rtl="0" eaLnBrk="1" latinLnBrk="0" hangingPunct="1">
+        <a:lnSpc>
+          <a:spcPct val="90000"/>
+        </a:lnSpc>
+        <a:spcBef>
+          <a:spcPts val="300"/>
+        </a:spcBef>
+        <a:buFont typeface="Arial" panose="020B0604020202020204" pitchFamily="34" charset="0"/>
+        <a:buChar char="•"/>
+        <a:defRPr sz="1200" kern="1200">
           <a:solidFill>
             <a:schemeClr val="tx1"/>
           </a:solidFill>
@@ -3183,16 +3188,16 @@
           <a:cs typeface="+mn-cs"/>
         </a:defRPr>
       </a:lvl3pPr>
-      <a:lvl4pPr marL="1120140" indent="-160020" algn="l" defTabSz="640080" rtl="0" eaLnBrk="1" latinLnBrk="0" hangingPunct="1">
+      <a:lvl4pPr marL="960120" indent="-137160" algn="l" defTabSz="548640" rtl="0" eaLnBrk="1" latinLnBrk="0" hangingPunct="1">
         <a:lnSpc>
           <a:spcPct val="90000"/>
         </a:lnSpc>
         <a:spcBef>
-          <a:spcPts val="350"/>
+          <a:spcPts val="300"/>
         </a:spcBef>
         <a:buFont typeface="Arial" panose="020B0604020202020204" pitchFamily="34" charset="0"/>
         <a:buChar char="•"/>
-        <a:defRPr sz="1260" kern="1200">
+        <a:defRPr sz="1080" kern="1200">
           <a:solidFill>
             <a:schemeClr val="tx1"/>
           </a:solidFill>
@@ -3201,16 +3206,16 @@
           <a:cs typeface="+mn-cs"/>
         </a:defRPr>
       </a:lvl4pPr>
-      <a:lvl5pPr marL="1440180" indent="-160020" algn="l" defTabSz="640080" rtl="0" eaLnBrk="1" latinLnBrk="0" hangingPunct="1">
+      <a:lvl5pPr marL="1234440" indent="-137160" algn="l" defTabSz="548640" rtl="0" eaLnBrk="1" latinLnBrk="0" hangingPunct="1">
         <a:lnSpc>
           <a:spcPct val="90000"/>
         </a:lnSpc>
         <a:spcBef>
-          <a:spcPts val="350"/>
+          <a:spcPts val="300"/>
         </a:spcBef>
         <a:buFont typeface="Arial" panose="020B0604020202020204" pitchFamily="34" charset="0"/>
         <a:buChar char="•"/>
-        <a:defRPr sz="1260" kern="1200">
+        <a:defRPr sz="1080" kern="1200">
           <a:solidFill>
             <a:schemeClr val="tx1"/>
           </a:solidFill>
@@ -3219,16 +3224,16 @@
           <a:cs typeface="+mn-cs"/>
         </a:defRPr>
       </a:lvl5pPr>
-      <a:lvl6pPr marL="1760220" indent="-160020" algn="l" defTabSz="640080" rtl="0" eaLnBrk="1" latinLnBrk="0" hangingPunct="1">
+      <a:lvl6pPr marL="1508760" indent="-137160" algn="l" defTabSz="548640" rtl="0" eaLnBrk="1" latinLnBrk="0" hangingPunct="1">
         <a:lnSpc>
           <a:spcPct val="90000"/>
         </a:lnSpc>
         <a:spcBef>
-          <a:spcPts val="350"/>
+          <a:spcPts val="300"/>
         </a:spcBef>
         <a:buFont typeface="Arial" panose="020B0604020202020204" pitchFamily="34" charset="0"/>
         <a:buChar char="•"/>
-        <a:defRPr sz="1260" kern="1200">
+        <a:defRPr sz="1080" kern="1200">
           <a:solidFill>
             <a:schemeClr val="tx1"/>
           </a:solidFill>
@@ -3237,16 +3242,16 @@
           <a:cs typeface="+mn-cs"/>
         </a:defRPr>
       </a:lvl6pPr>
-      <a:lvl7pPr marL="2080260" indent="-160020" algn="l" defTabSz="640080" rtl="0" eaLnBrk="1" latinLnBrk="0" hangingPunct="1">
+      <a:lvl7pPr marL="1783080" indent="-137160" algn="l" defTabSz="548640" rtl="0" eaLnBrk="1" latinLnBrk="0" hangingPunct="1">
         <a:lnSpc>
           <a:spcPct val="90000"/>
         </a:lnSpc>
         <a:spcBef>
-          <a:spcPts val="350"/>
+          <a:spcPts val="300"/>
         </a:spcBef>
         <a:buFont typeface="Arial" panose="020B0604020202020204" pitchFamily="34" charset="0"/>
         <a:buChar char="•"/>
-        <a:defRPr sz="1260" kern="1200">
+        <a:defRPr sz="1080" kern="1200">
           <a:solidFill>
             <a:schemeClr val="tx1"/>
           </a:solidFill>
@@ -3255,16 +3260,16 @@
           <a:cs typeface="+mn-cs"/>
         </a:defRPr>
       </a:lvl7pPr>
-      <a:lvl8pPr marL="2400300" indent="-160020" algn="l" defTabSz="640080" rtl="0" eaLnBrk="1" latinLnBrk="0" hangingPunct="1">
+      <a:lvl8pPr marL="2057400" indent="-137160" algn="l" defTabSz="548640" rtl="0" eaLnBrk="1" latinLnBrk="0" hangingPunct="1">
         <a:lnSpc>
           <a:spcPct val="90000"/>
         </a:lnSpc>
         <a:spcBef>
-          <a:spcPts val="350"/>
+          <a:spcPts val="300"/>
         </a:spcBef>
         <a:buFont typeface="Arial" panose="020B0604020202020204" pitchFamily="34" charset="0"/>
         <a:buChar char="•"/>
-        <a:defRPr sz="1260" kern="1200">
+        <a:defRPr sz="1080" kern="1200">
           <a:solidFill>
             <a:schemeClr val="tx1"/>
           </a:solidFill>
@@ -3273,16 +3278,16 @@
           <a:cs typeface="+mn-cs"/>
         </a:defRPr>
       </a:lvl8pPr>
-      <a:lvl9pPr marL="2720340" indent="-160020" algn="l" defTabSz="640080" rtl="0" eaLnBrk="1" latinLnBrk="0" hangingPunct="1">
+      <a:lvl9pPr marL="2331720" indent="-137160" algn="l" defTabSz="548640" rtl="0" eaLnBrk="1" latinLnBrk="0" hangingPunct="1">
         <a:lnSpc>
           <a:spcPct val="90000"/>
         </a:lnSpc>
         <a:spcBef>
-          <a:spcPts val="350"/>
+          <a:spcPts val="300"/>
         </a:spcBef>
         <a:buFont typeface="Arial" panose="020B0604020202020204" pitchFamily="34" charset="0"/>
         <a:buChar char="•"/>
-        <a:defRPr sz="1260" kern="1200">
+        <a:defRPr sz="1080" kern="1200">
           <a:solidFill>
             <a:schemeClr val="tx1"/>
           </a:solidFill>
@@ -3296,8 +3301,8 @@
       <a:defPPr>
         <a:defRPr lang="en-US"/>
       </a:defPPr>
-      <a:lvl1pPr marL="0" algn="l" defTabSz="640080" rtl="0" eaLnBrk="1" latinLnBrk="0" hangingPunct="1">
-        <a:defRPr sz="1260" kern="1200">
+      <a:lvl1pPr marL="0" algn="l" defTabSz="548640" rtl="0" eaLnBrk="1" latinLnBrk="0" hangingPunct="1">
+        <a:defRPr sz="1080" kern="1200">
           <a:solidFill>
             <a:schemeClr val="tx1"/>
           </a:solidFill>
@@ -3306,8 +3311,8 @@
           <a:cs typeface="+mn-cs"/>
         </a:defRPr>
       </a:lvl1pPr>
-      <a:lvl2pPr marL="320040" algn="l" defTabSz="640080" rtl="0" eaLnBrk="1" latinLnBrk="0" hangingPunct="1">
-        <a:defRPr sz="1260" kern="1200">
+      <a:lvl2pPr marL="274320" algn="l" defTabSz="548640" rtl="0" eaLnBrk="1" latinLnBrk="0" hangingPunct="1">
+        <a:defRPr sz="1080" kern="1200">
           <a:solidFill>
             <a:schemeClr val="tx1"/>
           </a:solidFill>
@@ -3316,8 +3321,8 @@
           <a:cs typeface="+mn-cs"/>
         </a:defRPr>
       </a:lvl2pPr>
-      <a:lvl3pPr marL="640080" algn="l" defTabSz="640080" rtl="0" eaLnBrk="1" latinLnBrk="0" hangingPunct="1">
-        <a:defRPr sz="1260" kern="1200">
+      <a:lvl3pPr marL="548640" algn="l" defTabSz="548640" rtl="0" eaLnBrk="1" latinLnBrk="0" hangingPunct="1">
+        <a:defRPr sz="1080" kern="1200">
           <a:solidFill>
             <a:schemeClr val="tx1"/>
           </a:solidFill>
@@ -3326,8 +3331,8 @@
           <a:cs typeface="+mn-cs"/>
         </a:defRPr>
       </a:lvl3pPr>
-      <a:lvl4pPr marL="960120" algn="l" defTabSz="640080" rtl="0" eaLnBrk="1" latinLnBrk="0" hangingPunct="1">
-        <a:defRPr sz="1260" kern="1200">
+      <a:lvl4pPr marL="822960" algn="l" defTabSz="548640" rtl="0" eaLnBrk="1" latinLnBrk="0" hangingPunct="1">
+        <a:defRPr sz="1080" kern="1200">
           <a:solidFill>
             <a:schemeClr val="tx1"/>
           </a:solidFill>
@@ -3336,8 +3341,8 @@
           <a:cs typeface="+mn-cs"/>
         </a:defRPr>
       </a:lvl4pPr>
-      <a:lvl5pPr marL="1280160" algn="l" defTabSz="640080" rtl="0" eaLnBrk="1" latinLnBrk="0" hangingPunct="1">
-        <a:defRPr sz="1260" kern="1200">
+      <a:lvl5pPr marL="1097280" algn="l" defTabSz="548640" rtl="0" eaLnBrk="1" latinLnBrk="0" hangingPunct="1">
+        <a:defRPr sz="1080" kern="1200">
           <a:solidFill>
             <a:schemeClr val="tx1"/>
           </a:solidFill>
@@ -3346,8 +3351,8 @@
           <a:cs typeface="+mn-cs"/>
         </a:defRPr>
       </a:lvl5pPr>
-      <a:lvl6pPr marL="1600200" algn="l" defTabSz="640080" rtl="0" eaLnBrk="1" latinLnBrk="0" hangingPunct="1">
-        <a:defRPr sz="1260" kern="1200">
+      <a:lvl6pPr marL="1371600" algn="l" defTabSz="548640" rtl="0" eaLnBrk="1" latinLnBrk="0" hangingPunct="1">
+        <a:defRPr sz="1080" kern="1200">
           <a:solidFill>
             <a:schemeClr val="tx1"/>
           </a:solidFill>
@@ -3356,8 +3361,8 @@
           <a:cs typeface="+mn-cs"/>
         </a:defRPr>
       </a:lvl6pPr>
-      <a:lvl7pPr marL="1920240" algn="l" defTabSz="640080" rtl="0" eaLnBrk="1" latinLnBrk="0" hangingPunct="1">
-        <a:defRPr sz="1260" kern="1200">
+      <a:lvl7pPr marL="1645920" algn="l" defTabSz="548640" rtl="0" eaLnBrk="1" latinLnBrk="0" hangingPunct="1">
+        <a:defRPr sz="1080" kern="1200">
           <a:solidFill>
             <a:schemeClr val="tx1"/>
           </a:solidFill>
@@ -3366,8 +3371,8 @@
           <a:cs typeface="+mn-cs"/>
         </a:defRPr>
       </a:lvl7pPr>
-      <a:lvl8pPr marL="2240280" algn="l" defTabSz="640080" rtl="0" eaLnBrk="1" latinLnBrk="0" hangingPunct="1">
-        <a:defRPr sz="1260" kern="1200">
+      <a:lvl8pPr marL="1920240" algn="l" defTabSz="548640" rtl="0" eaLnBrk="1" latinLnBrk="0" hangingPunct="1">
+        <a:defRPr sz="1080" kern="1200">
           <a:solidFill>
             <a:schemeClr val="tx1"/>
           </a:solidFill>
@@ -3376,8 +3381,8 @@
           <a:cs typeface="+mn-cs"/>
         </a:defRPr>
       </a:lvl8pPr>
-      <a:lvl9pPr marL="2560320" algn="l" defTabSz="640080" rtl="0" eaLnBrk="1" latinLnBrk="0" hangingPunct="1">
-        <a:defRPr sz="1260" kern="1200">
+      <a:lvl9pPr marL="2194560" algn="l" defTabSz="548640" rtl="0" eaLnBrk="1" latinLnBrk="0" hangingPunct="1">
+        <a:defRPr sz="1080" kern="1200">
           <a:solidFill>
             <a:schemeClr val="tx1"/>
           </a:solidFill>
@@ -3410,10 +3415,10 @@
       </p:grpSpPr>
       <p:grpSp>
         <p:nvGrpSpPr>
-          <p:cNvPr id="174" name="Group 173">
+          <p:cNvPr id="116" name="Group 115">
             <a:extLst>
               <a:ext uri="{FF2B5EF4-FFF2-40B4-BE49-F238E27FC236}">
-                <a16:creationId xmlns:a16="http://schemas.microsoft.com/office/drawing/2014/main" id="{58E0D7DB-6705-4930-A492-B435EE47BD20}"/>
+                <a16:creationId xmlns:a16="http://schemas.microsoft.com/office/drawing/2014/main" id="{4406E44B-70AC-FB59-376E-5014C2122595}"/>
               </a:ext>
             </a:extLst>
           </p:cNvPr>
@@ -3422,32 +3427,32 @@
         </p:nvGrpSpPr>
         <p:grpSpPr>
           <a:xfrm>
-            <a:off x="417209" y="336828"/>
-            <a:ext cx="5719670" cy="5785215"/>
-            <a:chOff x="417209" y="473462"/>
-            <a:chExt cx="5719670" cy="5785215"/>
+            <a:off x="49684" y="353432"/>
+            <a:ext cx="5387031" cy="6608336"/>
+            <a:chOff x="672499" y="-497588"/>
+            <a:chExt cx="5387031" cy="6608336"/>
           </a:xfrm>
         </p:grpSpPr>
         <p:cxnSp>
           <p:nvCxnSpPr>
-            <p:cNvPr id="106" name="Straight Arrow Connector 105">
+            <p:cNvPr id="8" name="Straight Arrow Connector 7">
               <a:extLst>
                 <a:ext uri="{FF2B5EF4-FFF2-40B4-BE49-F238E27FC236}">
-                  <a16:creationId xmlns:a16="http://schemas.microsoft.com/office/drawing/2014/main" id="{3BE64193-50AE-00C7-C454-78F97D6B6E16}"/>
+                  <a16:creationId xmlns:a16="http://schemas.microsoft.com/office/drawing/2014/main" id="{630AD678-4BC2-2800-8636-5559E0277657}"/>
                 </a:ext>
               </a:extLst>
             </p:cNvPr>
             <p:cNvCxnSpPr>
               <a:cxnSpLocks/>
-              <a:stCxn id="66" idx="0"/>
-              <a:endCxn id="44" idx="2"/>
+              <a:stCxn id="19" idx="0"/>
+              <a:endCxn id="2" idx="2"/>
             </p:cNvCxnSpPr>
             <p:nvPr/>
           </p:nvCxnSpPr>
           <p:spPr>
-            <a:xfrm flipV="1">
-              <a:off x="2005335" y="4432813"/>
-              <a:ext cx="861949" cy="884970"/>
+            <a:xfrm flipH="1" flipV="1">
+              <a:off x="2890518" y="1084333"/>
+              <a:ext cx="4" cy="822370"/>
             </a:xfrm>
             <a:prstGeom prst="straightConnector1">
               <a:avLst/>
@@ -3478,10 +3483,10 @@
         </p:cxnSp>
         <p:grpSp>
           <p:nvGrpSpPr>
-            <p:cNvPr id="97" name="Group 96">
+            <p:cNvPr id="174" name="Group 173">
               <a:extLst>
                 <a:ext uri="{FF2B5EF4-FFF2-40B4-BE49-F238E27FC236}">
-                  <a16:creationId xmlns:a16="http://schemas.microsoft.com/office/drawing/2014/main" id="{368A04F1-D22F-C30F-A14A-3DC58ADCF3CC}"/>
+                  <a16:creationId xmlns:a16="http://schemas.microsoft.com/office/drawing/2014/main" id="{58E0D7DB-6705-4930-A492-B435EE47BD20}"/>
                 </a:ext>
               </a:extLst>
             </p:cNvPr>
@@ -3490,18 +3495,114 @@
           </p:nvGrpSpPr>
           <p:grpSpPr>
             <a:xfrm>
-              <a:off x="417209" y="473462"/>
-              <a:ext cx="5719670" cy="5305986"/>
-              <a:chOff x="511368" y="163501"/>
-              <a:chExt cx="5719670" cy="5305986"/>
+              <a:off x="672499" y="-497588"/>
+              <a:ext cx="5387031" cy="6608336"/>
+              <a:chOff x="672499" y="-360954"/>
+              <a:chExt cx="5387031" cy="6608336"/>
             </a:xfrm>
           </p:grpSpPr>
+          <p:cxnSp>
+            <p:nvCxnSpPr>
+              <p:cNvPr id="129" name="Straight Arrow Connector 128">
+                <a:extLst>
+                  <a:ext uri="{FF2B5EF4-FFF2-40B4-BE49-F238E27FC236}">
+                    <a16:creationId xmlns:a16="http://schemas.microsoft.com/office/drawing/2014/main" id="{B8FC4E92-DE87-5C65-7E72-1330345700D8}"/>
+                  </a:ext>
+                </a:extLst>
+              </p:cNvPr>
+              <p:cNvCxnSpPr>
+                <a:cxnSpLocks/>
+                <a:stCxn id="76" idx="0"/>
+                <a:endCxn id="19" idx="2"/>
+              </p:cNvCxnSpPr>
+              <p:nvPr/>
+            </p:nvCxnSpPr>
+            <p:spPr>
+              <a:xfrm flipV="1">
+                <a:off x="2890521" y="3094602"/>
+                <a:ext cx="1" cy="693195"/>
+              </a:xfrm>
+              <a:prstGeom prst="straightConnector1">
+                <a:avLst/>
+              </a:prstGeom>
+              <a:ln w="12700" cap="flat">
+                <a:solidFill>
+                  <a:schemeClr val="tx1"/>
+                </a:solidFill>
+                <a:bevel/>
+                <a:headEnd type="stealth" w="lg" len="lg"/>
+                <a:tailEnd type="none" w="lg" len="lg"/>
+              </a:ln>
+            </p:spPr>
+            <p:style>
+              <a:lnRef idx="1">
+                <a:schemeClr val="accent1"/>
+              </a:lnRef>
+              <a:fillRef idx="0">
+                <a:schemeClr val="accent1"/>
+              </a:fillRef>
+              <a:effectRef idx="0">
+                <a:schemeClr val="accent1"/>
+              </a:effectRef>
+              <a:fontRef idx="minor">
+                <a:schemeClr val="tx1"/>
+              </a:fontRef>
+            </p:style>
+          </p:cxnSp>
+          <p:cxnSp>
+            <p:nvCxnSpPr>
+              <p:cNvPr id="106" name="Straight Arrow Connector 105">
+                <a:extLst>
+                  <a:ext uri="{FF2B5EF4-FFF2-40B4-BE49-F238E27FC236}">
+                    <a16:creationId xmlns:a16="http://schemas.microsoft.com/office/drawing/2014/main" id="{3BE64193-50AE-00C7-C454-78F97D6B6E16}"/>
+                  </a:ext>
+                </a:extLst>
+              </p:cNvPr>
+              <p:cNvCxnSpPr>
+                <a:cxnSpLocks/>
+                <a:stCxn id="66" idx="0"/>
+                <a:endCxn id="76" idx="2"/>
+              </p:cNvCxnSpPr>
+              <p:nvPr/>
+            </p:nvCxnSpPr>
+            <p:spPr>
+              <a:xfrm flipV="1">
+                <a:off x="1988672" y="4631299"/>
+                <a:ext cx="901849" cy="686484"/>
+              </a:xfrm>
+              <a:prstGeom prst="straightConnector1">
+                <a:avLst/>
+              </a:prstGeom>
+              <a:ln w="12700" cap="flat">
+                <a:solidFill>
+                  <a:schemeClr val="tx1"/>
+                </a:solidFill>
+                <a:bevel/>
+                <a:headEnd type="stealth" w="lg" len="lg"/>
+                <a:tailEnd type="none" w="lg" len="lg"/>
+              </a:ln>
+            </p:spPr>
+            <p:style>
+              <a:lnRef idx="1">
+                <a:schemeClr val="accent1"/>
+              </a:lnRef>
+              <a:fillRef idx="0">
+                <a:schemeClr val="accent1"/>
+              </a:fillRef>
+              <a:effectRef idx="0">
+                <a:schemeClr val="accent1"/>
+              </a:effectRef>
+              <a:fontRef idx="minor">
+                <a:schemeClr val="tx1"/>
+              </a:fontRef>
+            </p:style>
+          </p:cxnSp>
           <p:grpSp>
             <p:nvGrpSpPr>
-              <p:cNvPr id="67" name="Group 66">
+              <p:cNvPr id="97" name="Group 96">
                 <a:extLst>
                   <a:ext uri="{FF2B5EF4-FFF2-40B4-BE49-F238E27FC236}">
-                    <a16:creationId xmlns:a16="http://schemas.microsoft.com/office/drawing/2014/main" id="{32FAC9E9-E01D-DF02-F3A3-6BE9B3A6F555}"/>
+                    <a16:creationId xmlns:a16="http://schemas.microsoft.com/office/drawing/2014/main" id="{368A04F1-D22F-C30F-A14A-3DC58ADCF3CC}"/>
                   </a:ext>
                 </a:extLst>
               </p:cNvPr>
@@ -3510,18 +3611,1043 @@
             </p:nvGrpSpPr>
             <p:grpSpPr>
               <a:xfrm>
-                <a:off x="511368" y="440500"/>
-                <a:ext cx="5719670" cy="5028987"/>
-                <a:chOff x="3489007" y="454897"/>
-                <a:chExt cx="5719670" cy="5028987"/>
+                <a:off x="672499" y="-360954"/>
+                <a:ext cx="5387031" cy="6140402"/>
+                <a:chOff x="766658" y="-670915"/>
+                <a:chExt cx="5387031" cy="6140402"/>
               </a:xfrm>
             </p:grpSpPr>
+            <p:grpSp>
+              <p:nvGrpSpPr>
+                <p:cNvPr id="67" name="Group 66">
+                  <a:extLst>
+                    <a:ext uri="{FF2B5EF4-FFF2-40B4-BE49-F238E27FC236}">
+                      <a16:creationId xmlns:a16="http://schemas.microsoft.com/office/drawing/2014/main" id="{32FAC9E9-E01D-DF02-F3A3-6BE9B3A6F555}"/>
+                    </a:ext>
+                  </a:extLst>
+                </p:cNvPr>
+                <p:cNvGrpSpPr/>
+                <p:nvPr/>
+              </p:nvGrpSpPr>
+              <p:grpSpPr>
+                <a:xfrm>
+                  <a:off x="766658" y="-393916"/>
+                  <a:ext cx="5387031" cy="5863403"/>
+                  <a:chOff x="3744297" y="-379519"/>
+                  <a:chExt cx="5387031" cy="5863403"/>
+                </a:xfrm>
+              </p:grpSpPr>
+              <p:sp>
+                <p:nvSpPr>
+                  <p:cNvPr id="11" name="TextBox 10">
+                    <a:extLst>
+                      <a:ext uri="{FF2B5EF4-FFF2-40B4-BE49-F238E27FC236}">
+                        <a16:creationId xmlns:a16="http://schemas.microsoft.com/office/drawing/2014/main" id="{357013B1-F249-7255-1A2A-BA24E4018E6C}"/>
+                      </a:ext>
+                    </a:extLst>
+                  </p:cNvPr>
+                  <p:cNvSpPr txBox="1"/>
+                  <p:nvPr/>
+                </p:nvSpPr>
+                <p:spPr>
+                  <a:xfrm>
+                    <a:off x="4663907" y="2953418"/>
+                    <a:ext cx="2535066" cy="276999"/>
+                  </a:xfrm>
+                  <a:prstGeom prst="rect">
+                    <a:avLst/>
+                  </a:prstGeom>
+                  <a:solidFill>
+                    <a:schemeClr val="accent3"/>
+                  </a:solidFill>
+                  <a:ln>
+                    <a:noFill/>
+                  </a:ln>
+                </p:spPr>
+                <p:txBody>
+                  <a:bodyPr wrap="square" rtlCol="0">
+                    <a:spAutoFit/>
+                  </a:bodyPr>
+                  <a:lstStyle/>
+                  <a:p>
+                    <a:pPr algn="ctr"/>
+                    <a:r>
+                      <a:rPr lang="en-US" sz="1200" b="1" dirty="0">
+                        <a:solidFill>
+                          <a:schemeClr val="bg1"/>
+                        </a:solidFill>
+                        <a:latin typeface="Helvetica" pitchFamily="2" charset="0"/>
+                        <a:cs typeface="Times New Roman" panose="02020603050405020304" pitchFamily="18" charset="0"/>
+                      </a:rPr>
+                      <a:t>evaluation of expectations</a:t>
+                    </a:r>
+                    <a:endParaRPr lang="en-US" sz="1200" dirty="0">
+                      <a:solidFill>
+                        <a:schemeClr val="bg1"/>
+                      </a:solidFill>
+                      <a:latin typeface="Helvetica" pitchFamily="2" charset="0"/>
+                      <a:cs typeface="Times New Roman" panose="02020603050405020304" pitchFamily="18" charset="0"/>
+                    </a:endParaRPr>
+                  </a:p>
+                </p:txBody>
+              </p:sp>
+              <p:cxnSp>
+                <p:nvCxnSpPr>
+                  <p:cNvPr id="13" name="Straight Arrow Connector 12">
+                    <a:extLst>
+                      <a:ext uri="{FF2B5EF4-FFF2-40B4-BE49-F238E27FC236}">
+                        <a16:creationId xmlns:a16="http://schemas.microsoft.com/office/drawing/2014/main" id="{3D70BF8E-C51E-4A8B-DC75-8D9226828D6E}"/>
+                      </a:ext>
+                    </a:extLst>
+                  </p:cNvPr>
+                  <p:cNvCxnSpPr>
+                    <a:cxnSpLocks/>
+                    <a:stCxn id="2" idx="0"/>
+                    <a:endCxn id="94" idx="2"/>
+                  </p:cNvCxnSpPr>
+                  <p:nvPr/>
+                </p:nvCxnSpPr>
+                <p:spPr>
+                  <a:xfrm flipH="1" flipV="1">
+                    <a:off x="5955861" y="-379519"/>
+                    <a:ext cx="6455" cy="730003"/>
+                  </a:xfrm>
+                  <a:prstGeom prst="straightConnector1">
+                    <a:avLst/>
+                  </a:prstGeom>
+                  <a:ln w="12700" cap="flat">
+                    <a:solidFill>
+                      <a:schemeClr val="tx1"/>
+                    </a:solidFill>
+                    <a:bevel/>
+                    <a:headEnd type="stealth" w="lg" len="lg"/>
+                    <a:tailEnd type="none" w="lg" len="lg"/>
+                  </a:ln>
+                </p:spPr>
+                <p:style>
+                  <a:lnRef idx="1">
+                    <a:schemeClr val="accent1"/>
+                  </a:lnRef>
+                  <a:fillRef idx="0">
+                    <a:schemeClr val="accent1"/>
+                  </a:fillRef>
+                  <a:effectRef idx="0">
+                    <a:schemeClr val="accent1"/>
+                  </a:effectRef>
+                  <a:fontRef idx="minor">
+                    <a:schemeClr val="tx1"/>
+                  </a:fontRef>
+                </p:style>
+              </p:cxnSp>
+              <p:sp>
+                <p:nvSpPr>
+                  <p:cNvPr id="27" name="TextBox 26">
+                    <a:extLst>
+                      <a:ext uri="{FF2B5EF4-FFF2-40B4-BE49-F238E27FC236}">
+                        <a16:creationId xmlns:a16="http://schemas.microsoft.com/office/drawing/2014/main" id="{322BBCE7-C5B0-852D-92B7-86BE35EEAFB4}"/>
+                      </a:ext>
+                    </a:extLst>
+                  </p:cNvPr>
+                  <p:cNvSpPr txBox="1"/>
+                  <p:nvPr/>
+                </p:nvSpPr>
+                <p:spPr>
+                  <a:xfrm>
+                    <a:off x="7573289" y="2042573"/>
+                    <a:ext cx="1558039" cy="461665"/>
+                  </a:xfrm>
+                  <a:prstGeom prst="rect">
+                    <a:avLst/>
+                  </a:prstGeom>
+                  <a:solidFill>
+                    <a:srgbClr val="C07166"/>
+                  </a:solidFill>
+                  <a:ln>
+                    <a:noFill/>
+                  </a:ln>
+                </p:spPr>
+                <p:txBody>
+                  <a:bodyPr wrap="square" rtlCol="0">
+                    <a:spAutoFit/>
+                  </a:bodyPr>
+                  <a:lstStyle/>
+                  <a:p>
+                    <a:pPr algn="ctr"/>
+                    <a:r>
+                      <a:rPr lang="en-US" sz="1200" b="1" dirty="0">
+                        <a:solidFill>
+                          <a:schemeClr val="bg1"/>
+                        </a:solidFill>
+                        <a:latin typeface="Helvetica" pitchFamily="2" charset="0"/>
+                        <a:cs typeface="Times New Roman" panose="02020603050405020304" pitchFamily="18" charset="0"/>
+                      </a:rPr>
+                      <a:t>No action taken</a:t>
+                    </a:r>
+                  </a:p>
+                  <a:p>
+                    <a:pPr algn="ctr"/>
+                    <a:r>
+                      <a:rPr lang="en-US" sz="1200" dirty="0">
+                        <a:solidFill>
+                          <a:schemeClr val="bg1"/>
+                        </a:solidFill>
+                        <a:latin typeface="Helvetica" pitchFamily="2" charset="0"/>
+                        <a:cs typeface="Times New Roman" panose="02020603050405020304" pitchFamily="18" charset="0"/>
+                      </a:rPr>
+                      <a:t>untestable</a:t>
+                    </a:r>
+                  </a:p>
+                </p:txBody>
+              </p:sp>
+              <p:cxnSp>
+                <p:nvCxnSpPr>
+                  <p:cNvPr id="28" name="Straight Arrow Connector 27">
+                    <a:extLst>
+                      <a:ext uri="{FF2B5EF4-FFF2-40B4-BE49-F238E27FC236}">
+                        <a16:creationId xmlns:a16="http://schemas.microsoft.com/office/drawing/2014/main" id="{F7E4AB18-38F1-63E8-BABD-A4681DF1BB6D}"/>
+                      </a:ext>
+                    </a:extLst>
+                  </p:cNvPr>
+                  <p:cNvCxnSpPr>
+                    <a:cxnSpLocks/>
+                    <a:stCxn id="27" idx="0"/>
+                  </p:cNvCxnSpPr>
+                  <p:nvPr/>
+                </p:nvCxnSpPr>
+                <p:spPr>
+                  <a:xfrm flipH="1" flipV="1">
+                    <a:off x="8352308" y="637943"/>
+                    <a:ext cx="1" cy="1404630"/>
+                  </a:xfrm>
+                  <a:prstGeom prst="straightConnector1">
+                    <a:avLst/>
+                  </a:prstGeom>
+                  <a:ln w="12700" cap="flat">
+                    <a:solidFill>
+                      <a:schemeClr val="tx1"/>
+                    </a:solidFill>
+                    <a:bevel/>
+                    <a:headEnd type="stealth" w="lg" len="lg"/>
+                    <a:tailEnd type="none" w="lg" len="lg"/>
+                  </a:ln>
+                </p:spPr>
+                <p:style>
+                  <a:lnRef idx="1">
+                    <a:schemeClr val="accent1"/>
+                  </a:lnRef>
+                  <a:fillRef idx="0">
+                    <a:schemeClr val="accent1"/>
+                  </a:fillRef>
+                  <a:effectRef idx="0">
+                    <a:schemeClr val="accent1"/>
+                  </a:effectRef>
+                  <a:fontRef idx="minor">
+                    <a:schemeClr val="tx1"/>
+                  </a:fontRef>
+                </p:style>
+              </p:cxnSp>
+              <p:sp>
+                <p:nvSpPr>
+                  <p:cNvPr id="32" name="TextBox 31">
+                    <a:extLst>
+                      <a:ext uri="{FF2B5EF4-FFF2-40B4-BE49-F238E27FC236}">
+                        <a16:creationId xmlns:a16="http://schemas.microsoft.com/office/drawing/2014/main" id="{B5320D6E-2D59-43B3-07B4-1644818A6538}"/>
+                      </a:ext>
+                    </a:extLst>
+                  </p:cNvPr>
+                  <p:cNvSpPr txBox="1"/>
+                  <p:nvPr/>
+                </p:nvSpPr>
+                <p:spPr>
+                  <a:xfrm>
+                    <a:off x="5505041" y="457244"/>
+                    <a:ext cx="856324" cy="338554"/>
+                  </a:xfrm>
+                  <a:prstGeom prst="rect">
+                    <a:avLst/>
+                  </a:prstGeom>
+                  <a:noFill/>
+                </p:spPr>
+                <p:txBody>
+                  <a:bodyPr wrap="none" rtlCol="0">
+                    <a:spAutoFit/>
+                  </a:bodyPr>
+                  <a:lstStyle/>
+                  <a:p>
+                    <a:pPr algn="ctr"/>
+                    <a:r>
+                      <a:rPr lang="en-US" sz="800" dirty="0">
+                        <a:latin typeface="Helvetica" pitchFamily="2" charset="0"/>
+                        <a:cs typeface="Times New Roman" panose="02020603050405020304" pitchFamily="18" charset="0"/>
+                      </a:rPr>
+                      <a:t>&gt; 30% feature</a:t>
+                    </a:r>
+                    <a:br>
+                      <a:rPr lang="en-US" sz="800" dirty="0">
+                        <a:latin typeface="Helvetica" pitchFamily="2" charset="0"/>
+                        <a:cs typeface="Times New Roman" panose="02020603050405020304" pitchFamily="18" charset="0"/>
+                      </a:rPr>
+                    </a:br>
+                    <a:r>
+                      <a:rPr lang="en-US" sz="800" dirty="0">
+                        <a:latin typeface="Helvetica" pitchFamily="2" charset="0"/>
+                        <a:cs typeface="Times New Roman" panose="02020603050405020304" pitchFamily="18" charset="0"/>
+                      </a:rPr>
+                      <a:t>coding overlap</a:t>
+                    </a:r>
+                  </a:p>
+                </p:txBody>
+              </p:sp>
+              <p:sp>
+                <p:nvSpPr>
+                  <p:cNvPr id="23" name="TextBox 22">
+                    <a:extLst>
+                      <a:ext uri="{FF2B5EF4-FFF2-40B4-BE49-F238E27FC236}">
+                        <a16:creationId xmlns:a16="http://schemas.microsoft.com/office/drawing/2014/main" id="{29473541-2E14-4AB7-EED5-327A5E0F5AB2}"/>
+                      </a:ext>
+                    </a:extLst>
+                  </p:cNvPr>
+                  <p:cNvSpPr txBox="1"/>
+                  <p:nvPr/>
+                </p:nvSpPr>
+                <p:spPr>
+                  <a:xfrm>
+                    <a:off x="5274387" y="2009022"/>
+                    <a:ext cx="1362159" cy="584775"/>
+                  </a:xfrm>
+                  <a:prstGeom prst="rect">
+                    <a:avLst/>
+                  </a:prstGeom>
+                  <a:solidFill>
+                    <a:schemeClr val="bg1"/>
+                  </a:solidFill>
+                  <a:ln>
+                    <a:noFill/>
+                  </a:ln>
+                </p:spPr>
+                <p:txBody>
+                  <a:bodyPr wrap="square" rtlCol="0">
+                    <a:spAutoFit/>
+                  </a:bodyPr>
+                  <a:lstStyle/>
+                  <a:p>
+                    <a:pPr algn="ctr"/>
+                    <a:r>
+                      <a:rPr lang="en-US" sz="800" dirty="0">
+                        <a:latin typeface="Helvetica" pitchFamily="2" charset="0"/>
+                        <a:cs typeface="Times New Roman" panose="02020603050405020304" pitchFamily="18" charset="0"/>
+                      </a:rPr>
+                      <a:t>1/3 applicability ratio</a:t>
+                    </a:r>
+                    <a:br>
+                      <a:rPr lang="en-US" sz="800" dirty="0">
+                        <a:latin typeface="Helvetica" pitchFamily="2" charset="0"/>
+                        <a:cs typeface="Times New Roman" panose="02020603050405020304" pitchFamily="18" charset="0"/>
+                      </a:rPr>
+                    </a:br>
+                    <a:r>
+                      <a:rPr lang="en-US" sz="800" dirty="0">
+                        <a:latin typeface="Helvetica" pitchFamily="2" charset="0"/>
+                        <a:cs typeface="Times New Roman" panose="02020603050405020304" pitchFamily="18" charset="0"/>
+                      </a:rPr>
+                      <a:t>per diversity sample,</a:t>
+                    </a:r>
+                  </a:p>
+                  <a:p>
+                    <a:pPr algn="ctr"/>
+                    <a:r>
+                      <a:rPr lang="en-US" sz="800" dirty="0">
+                        <a:latin typeface="Helvetica" pitchFamily="2" charset="0"/>
+                        <a:cs typeface="Times New Roman" panose="02020603050405020304" pitchFamily="18" charset="0"/>
+                      </a:rPr>
+                      <a:t>20+ diversity samples</a:t>
+                    </a:r>
+                    <a:br>
+                      <a:rPr lang="en-US" sz="800" dirty="0">
+                        <a:latin typeface="Helvetica" pitchFamily="2" charset="0"/>
+                        <a:cs typeface="Times New Roman" panose="02020603050405020304" pitchFamily="18" charset="0"/>
+                      </a:rPr>
+                    </a:br>
+                    <a:r>
+                      <a:rPr lang="en-US" sz="800" dirty="0">
+                        <a:latin typeface="Helvetica" pitchFamily="2" charset="0"/>
+                        <a:cs typeface="Times New Roman" panose="02020603050405020304" pitchFamily="18" charset="0"/>
+                      </a:rPr>
+                      <a:t>per expectation</a:t>
+                    </a:r>
+                  </a:p>
+                </p:txBody>
+              </p:sp>
+              <p:cxnSp>
+                <p:nvCxnSpPr>
+                  <p:cNvPr id="35" name="Straight Arrow Connector 34">
+                    <a:extLst>
+                      <a:ext uri="{FF2B5EF4-FFF2-40B4-BE49-F238E27FC236}">
+                        <a16:creationId xmlns:a16="http://schemas.microsoft.com/office/drawing/2014/main" id="{A6036E46-8219-6569-9472-F47010C57546}"/>
+                      </a:ext>
+                    </a:extLst>
+                  </p:cNvPr>
+                  <p:cNvCxnSpPr>
+                    <a:cxnSpLocks/>
+                    <a:stCxn id="27" idx="1"/>
+                    <a:endCxn id="19" idx="3"/>
+                  </p:cNvCxnSpPr>
+                  <p:nvPr/>
+                </p:nvCxnSpPr>
+                <p:spPr>
+                  <a:xfrm flipH="1">
+                    <a:off x="6864169" y="2273406"/>
+                    <a:ext cx="709120" cy="0"/>
+                  </a:xfrm>
+                  <a:prstGeom prst="straightConnector1">
+                    <a:avLst/>
+                  </a:prstGeom>
+                  <a:ln w="12700" cap="flat">
+                    <a:solidFill>
+                      <a:schemeClr val="tx1"/>
+                    </a:solidFill>
+                    <a:bevel/>
+                    <a:headEnd type="stealth" w="lg" len="lg"/>
+                    <a:tailEnd type="none" w="lg" len="lg"/>
+                  </a:ln>
+                </p:spPr>
+                <p:style>
+                  <a:lnRef idx="1">
+                    <a:schemeClr val="accent1"/>
+                  </a:lnRef>
+                  <a:fillRef idx="0">
+                    <a:schemeClr val="accent1"/>
+                  </a:fillRef>
+                  <a:effectRef idx="0">
+                    <a:schemeClr val="accent1"/>
+                  </a:effectRef>
+                  <a:fontRef idx="minor">
+                    <a:schemeClr val="tx1"/>
+                  </a:fontRef>
+                </p:style>
+              </p:cxnSp>
+              <p:sp>
+                <p:nvSpPr>
+                  <p:cNvPr id="44" name="TextBox 43">
+                    <a:extLst>
+                      <a:ext uri="{FF2B5EF4-FFF2-40B4-BE49-F238E27FC236}">
+                        <a16:creationId xmlns:a16="http://schemas.microsoft.com/office/drawing/2014/main" id="{1D41CF73-C654-85CB-C551-4AC654AF565D}"/>
+                      </a:ext>
+                    </a:extLst>
+                  </p:cNvPr>
+                  <p:cNvSpPr txBox="1"/>
+                  <p:nvPr/>
+                </p:nvSpPr>
+                <p:spPr>
+                  <a:xfrm>
+                    <a:off x="5103746" y="3729646"/>
+                    <a:ext cx="1717137" cy="461665"/>
+                  </a:xfrm>
+                  <a:prstGeom prst="rect">
+                    <a:avLst/>
+                  </a:prstGeom>
+                  <a:solidFill>
+                    <a:schemeClr val="bg1"/>
+                  </a:solidFill>
+                  <a:ln>
+                    <a:noFill/>
+                  </a:ln>
+                </p:spPr>
+                <p:txBody>
+                  <a:bodyPr wrap="square" rtlCol="0">
+                    <a:spAutoFit/>
+                  </a:bodyPr>
+                  <a:lstStyle/>
+                  <a:p>
+                    <a:pPr algn="ctr"/>
+                    <a:r>
+                      <a:rPr lang="en-US" sz="800" dirty="0">
+                        <a:latin typeface="Helvetica" pitchFamily="2" charset="0"/>
+                        <a:cs typeface="Times New Roman" panose="02020603050405020304" pitchFamily="18" charset="0"/>
+                      </a:rPr>
+                      <a:t>conditional probabilities (P)</a:t>
+                    </a:r>
+                  </a:p>
+                  <a:p>
+                    <a:pPr algn="ctr"/>
+                    <a:r>
+                      <a:rPr lang="en-US" sz="800" dirty="0">
+                        <a:latin typeface="Helvetica" pitchFamily="2" charset="0"/>
+                        <a:cs typeface="Times New Roman" panose="02020603050405020304" pitchFamily="18" charset="0"/>
+                      </a:rPr>
+                      <a:t>marginal probabilities (Q)</a:t>
+                    </a:r>
+                  </a:p>
+                  <a:p>
+                    <a:pPr algn="ctr"/>
+                    <a:r>
+                      <a:rPr lang="en-US" sz="800" dirty="0">
+                        <a:latin typeface="Helvetica" pitchFamily="2" charset="0"/>
+                        <a:cs typeface="Times New Roman" panose="02020603050405020304" pitchFamily="18" charset="0"/>
+                      </a:rPr>
+                      <a:t>Cohen’s D (P, Q)</a:t>
+                    </a:r>
+                  </a:p>
+                </p:txBody>
+              </p:sp>
+              <p:cxnSp>
+                <p:nvCxnSpPr>
+                  <p:cNvPr id="54" name="Straight Arrow Connector 53">
+                    <a:extLst>
+                      <a:ext uri="{FF2B5EF4-FFF2-40B4-BE49-F238E27FC236}">
+                        <a16:creationId xmlns:a16="http://schemas.microsoft.com/office/drawing/2014/main" id="{741DF307-29BA-E3E6-E134-591EC1E38D17}"/>
+                      </a:ext>
+                    </a:extLst>
+                  </p:cNvPr>
+                  <p:cNvCxnSpPr>
+                    <a:cxnSpLocks/>
+                    <a:stCxn id="65" idx="0"/>
+                    <a:endCxn id="76" idx="2"/>
+                  </p:cNvCxnSpPr>
+                  <p:nvPr/>
+                </p:nvCxnSpPr>
+                <p:spPr>
+                  <a:xfrm flipH="1" flipV="1">
+                    <a:off x="5962319" y="4335735"/>
+                    <a:ext cx="901842" cy="686484"/>
+                  </a:xfrm>
+                  <a:prstGeom prst="straightConnector1">
+                    <a:avLst/>
+                  </a:prstGeom>
+                  <a:ln w="12700" cap="flat">
+                    <a:solidFill>
+                      <a:schemeClr val="tx1"/>
+                    </a:solidFill>
+                    <a:bevel/>
+                    <a:headEnd type="stealth" w="lg" len="lg"/>
+                    <a:tailEnd type="none" w="lg" len="lg"/>
+                  </a:ln>
+                </p:spPr>
+                <p:style>
+                  <a:lnRef idx="1">
+                    <a:schemeClr val="accent1"/>
+                  </a:lnRef>
+                  <a:fillRef idx="0">
+                    <a:schemeClr val="accent1"/>
+                  </a:fillRef>
+                  <a:effectRef idx="0">
+                    <a:schemeClr val="accent1"/>
+                  </a:effectRef>
+                  <a:fontRef idx="minor">
+                    <a:schemeClr val="tx1"/>
+                  </a:fontRef>
+                </p:style>
+              </p:cxnSp>
+              <mc:AlternateContent xmlns:mc="http://schemas.openxmlformats.org/markup-compatibility/2006">
+                <mc:Choice xmlns:a14="http://schemas.microsoft.com/office/drawing/2010/main" Requires="a14">
+                  <p:sp>
+                    <p:nvSpPr>
+                      <p:cNvPr id="63" name="TextBox 62">
+                        <a:extLst>
+                          <a:ext uri="{FF2B5EF4-FFF2-40B4-BE49-F238E27FC236}">
+                            <a16:creationId xmlns:a16="http://schemas.microsoft.com/office/drawing/2014/main" id="{583F5B90-97D4-84CB-53FE-F655E75F7D8C}"/>
+                          </a:ext>
+                        </a:extLst>
+                      </p:cNvPr>
+                      <p:cNvSpPr txBox="1"/>
+                      <p:nvPr/>
+                    </p:nvSpPr>
+                    <p:spPr>
+                      <a:xfrm>
+                        <a:off x="3744297" y="4338348"/>
+                        <a:ext cx="1803699" cy="338554"/>
+                      </a:xfrm>
+                      <a:prstGeom prst="rect">
+                        <a:avLst/>
+                      </a:prstGeom>
+                      <a:noFill/>
+                    </p:spPr>
+                    <p:txBody>
+                      <a:bodyPr wrap="none" rtlCol="0">
+                        <a:spAutoFit/>
+                      </a:bodyPr>
+                      <a:lstStyle/>
+                      <a:p>
+                        <a:pPr algn="ctr"/>
+                        <a:r>
+                          <a:rPr lang="en-US" sz="800" dirty="0">
+                            <a:latin typeface="Helvetica" pitchFamily="2" charset="0"/>
+                            <a:cs typeface="Times New Roman" panose="02020603050405020304" pitchFamily="18" charset="0"/>
+                          </a:rPr>
+                          <a:t>strong effect (Cohen’s D &gt; 1.3) </a:t>
+                        </a:r>
+                        <a:r>
+                          <a:rPr lang="en-US" sz="800" b="1" dirty="0">
+                            <a:latin typeface="Helvetica" pitchFamily="2" charset="0"/>
+                            <a:cs typeface="Times New Roman" panose="02020603050405020304" pitchFamily="18" charset="0"/>
+                          </a:rPr>
+                          <a:t>and</a:t>
+                        </a:r>
+                      </a:p>
+                      <a:p>
+                        <a:pPr algn="ctr"/>
+                        <a:r>
+                          <a:rPr lang="en-US" sz="800" dirty="0">
+                            <a:latin typeface="Helvetica" pitchFamily="2" charset="0"/>
+                            <a:cs typeface="Times New Roman" panose="02020603050405020304" pitchFamily="18" charset="0"/>
+                          </a:rPr>
+                          <a:t>few exceptions (µ + </a:t>
+                        </a:r>
+                        <a14:m>
+                          <m:oMath xmlns:m="http://schemas.openxmlformats.org/officeDocument/2006/math">
+                            <m:r>
+                              <a:rPr lang="en-US" sz="800" i="1">
+                                <a:latin typeface="Cambria Math" panose="02040503050406030204" pitchFamily="18" charset="0"/>
+                                <a:ea typeface="Cambria Math" panose="02040503050406030204" pitchFamily="18" charset="0"/>
+                                <a:cs typeface="Times New Roman" panose="02020603050405020304" pitchFamily="18" charset="0"/>
+                              </a:rPr>
+                              <m:t>𝜎</m:t>
+                            </m:r>
+                          </m:oMath>
+                        </a14:m>
+                        <a:r>
+                          <a:rPr lang="en-US" sz="800" dirty="0">
+                            <a:latin typeface="Helvetica" pitchFamily="2" charset="0"/>
+                            <a:cs typeface="Times New Roman" panose="02020603050405020304" pitchFamily="18" charset="0"/>
+                          </a:rPr>
+                          <a:t> of P &lt; 0.2)</a:t>
+                        </a:r>
+                      </a:p>
+                    </p:txBody>
+                  </p:sp>
+                </mc:Choice>
+                <mc:Fallback>
+                  <p:sp>
+                    <p:nvSpPr>
+                      <p:cNvPr id="63" name="TextBox 62">
+                        <a:extLst>
+                          <a:ext uri="{FF2B5EF4-FFF2-40B4-BE49-F238E27FC236}">
+                            <a16:creationId xmlns:a16="http://schemas.microsoft.com/office/drawing/2014/main" id="{583F5B90-97D4-84CB-53FE-F655E75F7D8C}"/>
+                          </a:ext>
+                        </a:extLst>
+                      </p:cNvPr>
+                      <p:cNvSpPr txBox="1">
+                        <a:spLocks noRot="1" noChangeAspect="1" noMove="1" noResize="1" noEditPoints="1" noAdjustHandles="1" noChangeArrowheads="1" noChangeShapeType="1" noTextEdit="1"/>
+                      </p:cNvSpPr>
+                      <p:nvPr/>
+                    </p:nvSpPr>
+                    <p:spPr>
+                      <a:xfrm>
+                        <a:off x="3744297" y="4338348"/>
+                        <a:ext cx="1803699" cy="338554"/>
+                      </a:xfrm>
+                      <a:prstGeom prst="rect">
+                        <a:avLst/>
+                      </a:prstGeom>
+                      <a:blipFill>
+                        <a:blip r:embed="rId3"/>
+                        <a:stretch>
+                          <a:fillRect b="-3571"/>
+                        </a:stretch>
+                      </a:blipFill>
+                    </p:spPr>
+                    <p:txBody>
+                      <a:bodyPr/>
+                      <a:lstStyle/>
+                      <a:p>
+                        <a:r>
+                          <a:rPr lang="en-US">
+                            <a:noFill/>
+                          </a:rPr>
+                          <a:t> </a:t>
+                        </a:r>
+                      </a:p>
+                    </p:txBody>
+                  </p:sp>
+                </mc:Fallback>
+              </mc:AlternateContent>
+              <mc:AlternateContent xmlns:mc="http://schemas.openxmlformats.org/markup-compatibility/2006">
+                <mc:Choice xmlns:a14="http://schemas.microsoft.com/office/drawing/2010/main" Requires="a14">
+                  <p:sp>
+                    <p:nvSpPr>
+                      <p:cNvPr id="64" name="TextBox 63">
+                        <a:extLst>
+                          <a:ext uri="{FF2B5EF4-FFF2-40B4-BE49-F238E27FC236}">
+                            <a16:creationId xmlns:a16="http://schemas.microsoft.com/office/drawing/2014/main" id="{39E91F6C-A832-7208-9D8E-4E251D7C3B56}"/>
+                          </a:ext>
+                        </a:extLst>
+                      </p:cNvPr>
+                      <p:cNvSpPr txBox="1"/>
+                      <p:nvPr/>
+                    </p:nvSpPr>
+                    <p:spPr>
+                      <a:xfrm>
+                        <a:off x="6376642" y="4338348"/>
+                        <a:ext cx="1896673" cy="338554"/>
+                      </a:xfrm>
+                      <a:prstGeom prst="rect">
+                        <a:avLst/>
+                      </a:prstGeom>
+                      <a:noFill/>
+                    </p:spPr>
+                    <p:txBody>
+                      <a:bodyPr wrap="none" rtlCol="0">
+                        <a:spAutoFit/>
+                      </a:bodyPr>
+                      <a:lstStyle/>
+                      <a:p>
+                        <a:pPr algn="ctr"/>
+                        <a:r>
+                          <a:rPr lang="en-US" sz="800" dirty="0">
+                            <a:latin typeface="Helvetica" pitchFamily="2" charset="0"/>
+                            <a:cs typeface="Times New Roman" panose="02020603050405020304" pitchFamily="18" charset="0"/>
+                          </a:rPr>
+                          <a:t>effect not strong (Cohen’s D &lt; 1.3) </a:t>
+                        </a:r>
+                        <a:r>
+                          <a:rPr lang="en-US" sz="800" b="1" dirty="0">
+                            <a:latin typeface="Helvetica" pitchFamily="2" charset="0"/>
+                            <a:cs typeface="Times New Roman" panose="02020603050405020304" pitchFamily="18" charset="0"/>
+                          </a:rPr>
+                          <a:t>or</a:t>
+                        </a:r>
+                      </a:p>
+                      <a:p>
+                        <a:pPr algn="ctr"/>
+                        <a:r>
+                          <a:rPr lang="en-US" sz="800" dirty="0">
+                            <a:latin typeface="Helvetica" pitchFamily="2" charset="0"/>
+                            <a:cs typeface="Times New Roman" panose="02020603050405020304" pitchFamily="18" charset="0"/>
+                          </a:rPr>
+                          <a:t>many exceptions (µ + </a:t>
+                        </a:r>
+                        <a14:m>
+                          <m:oMath xmlns:m="http://schemas.openxmlformats.org/officeDocument/2006/math">
+                            <m:r>
+                              <a:rPr lang="en-US" sz="800" i="1">
+                                <a:latin typeface="Cambria Math" panose="02040503050406030204" pitchFamily="18" charset="0"/>
+                                <a:ea typeface="Cambria Math" panose="02040503050406030204" pitchFamily="18" charset="0"/>
+                                <a:cs typeface="Times New Roman" panose="02020603050405020304" pitchFamily="18" charset="0"/>
+                              </a:rPr>
+                              <m:t>𝜎</m:t>
+                            </m:r>
+                          </m:oMath>
+                        </a14:m>
+                        <a:r>
+                          <a:rPr lang="en-US" sz="800" dirty="0">
+                            <a:latin typeface="Helvetica" pitchFamily="2" charset="0"/>
+                            <a:cs typeface="Times New Roman" panose="02020603050405020304" pitchFamily="18" charset="0"/>
+                          </a:rPr>
+                          <a:t> of P &gt; 0.2)</a:t>
+                        </a:r>
+                      </a:p>
+                    </p:txBody>
+                  </p:sp>
+                </mc:Choice>
+                <mc:Fallback>
+                  <p:sp>
+                    <p:nvSpPr>
+                      <p:cNvPr id="64" name="TextBox 63">
+                        <a:extLst>
+                          <a:ext uri="{FF2B5EF4-FFF2-40B4-BE49-F238E27FC236}">
+                            <a16:creationId xmlns:a16="http://schemas.microsoft.com/office/drawing/2014/main" id="{39E91F6C-A832-7208-9D8E-4E251D7C3B56}"/>
+                          </a:ext>
+                        </a:extLst>
+                      </p:cNvPr>
+                      <p:cNvSpPr txBox="1">
+                        <a:spLocks noRot="1" noChangeAspect="1" noMove="1" noResize="1" noEditPoints="1" noAdjustHandles="1" noChangeArrowheads="1" noChangeShapeType="1" noTextEdit="1"/>
+                      </p:cNvSpPr>
+                      <p:nvPr/>
+                    </p:nvSpPr>
+                    <p:spPr>
+                      <a:xfrm>
+                        <a:off x="6376642" y="4338348"/>
+                        <a:ext cx="1896673" cy="338554"/>
+                      </a:xfrm>
+                      <a:prstGeom prst="rect">
+                        <a:avLst/>
+                      </a:prstGeom>
+                      <a:blipFill>
+                        <a:blip r:embed="rId4"/>
+                        <a:stretch>
+                          <a:fillRect b="-3571"/>
+                        </a:stretch>
+                      </a:blipFill>
+                    </p:spPr>
+                    <p:txBody>
+                      <a:bodyPr/>
+                      <a:lstStyle/>
+                      <a:p>
+                        <a:r>
+                          <a:rPr lang="en-US">
+                            <a:noFill/>
+                          </a:rPr>
+                          <a:t> </a:t>
+                        </a:r>
+                      </a:p>
+                    </p:txBody>
+                  </p:sp>
+                </mc:Fallback>
+              </mc:AlternateContent>
+              <p:sp>
+                <p:nvSpPr>
+                  <p:cNvPr id="65" name="TextBox 64">
+                    <a:extLst>
+                      <a:ext uri="{FF2B5EF4-FFF2-40B4-BE49-F238E27FC236}">
+                        <a16:creationId xmlns:a16="http://schemas.microsoft.com/office/drawing/2014/main" id="{CFCDEE71-86C1-87C0-3F46-7C5E497B411C}"/>
+                      </a:ext>
+                    </a:extLst>
+                  </p:cNvPr>
+                  <p:cNvSpPr txBox="1"/>
+                  <p:nvPr/>
+                </p:nvSpPr>
+                <p:spPr>
+                  <a:xfrm>
+                    <a:off x="6085141" y="5022219"/>
+                    <a:ext cx="1558039" cy="461665"/>
+                  </a:xfrm>
+                  <a:prstGeom prst="rect">
+                    <a:avLst/>
+                  </a:prstGeom>
+                  <a:solidFill>
+                    <a:srgbClr val="C07166"/>
+                  </a:solidFill>
+                  <a:ln>
+                    <a:noFill/>
+                  </a:ln>
+                </p:spPr>
+                <p:txBody>
+                  <a:bodyPr wrap="square" rtlCol="0">
+                    <a:spAutoFit/>
+                  </a:bodyPr>
+                  <a:lstStyle/>
+                  <a:p>
+                    <a:pPr algn="ctr"/>
+                    <a:r>
+                      <a:rPr lang="en-US" sz="1200" b="1" dirty="0">
+                        <a:solidFill>
+                          <a:schemeClr val="bg1"/>
+                        </a:solidFill>
+                        <a:latin typeface="Helvetica" pitchFamily="2" charset="0"/>
+                        <a:cs typeface="Times New Roman" panose="02020603050405020304" pitchFamily="18" charset="0"/>
+                      </a:rPr>
+                      <a:t>No action taken</a:t>
+                    </a:r>
+                  </a:p>
+                  <a:p>
+                    <a:pPr algn="ctr"/>
+                    <a:r>
+                      <a:rPr lang="en-US" sz="1200" dirty="0">
+                        <a:solidFill>
+                          <a:schemeClr val="bg1"/>
+                        </a:solidFill>
+                        <a:latin typeface="Helvetica" pitchFamily="2" charset="0"/>
+                        <a:cs typeface="Times New Roman" panose="02020603050405020304" pitchFamily="18" charset="0"/>
+                      </a:rPr>
+                      <a:t>results documented</a:t>
+                    </a:r>
+                  </a:p>
+                </p:txBody>
+              </p:sp>
+              <p:sp>
+                <p:nvSpPr>
+                  <p:cNvPr id="12" name="TextBox 11">
+                    <a:extLst>
+                      <a:ext uri="{FF2B5EF4-FFF2-40B4-BE49-F238E27FC236}">
+                        <a16:creationId xmlns:a16="http://schemas.microsoft.com/office/drawing/2014/main" id="{CCE572FD-D041-FEAB-10E9-63AB0B646F13}"/>
+                      </a:ext>
+                    </a:extLst>
+                  </p:cNvPr>
+                  <p:cNvSpPr txBox="1"/>
+                  <p:nvPr/>
+                </p:nvSpPr>
+                <p:spPr>
+                  <a:xfrm>
+                    <a:off x="4663907" y="1081737"/>
+                    <a:ext cx="2535066" cy="461665"/>
+                  </a:xfrm>
+                  <a:prstGeom prst="rect">
+                    <a:avLst/>
+                  </a:prstGeom>
+                  <a:solidFill>
+                    <a:schemeClr val="accent3"/>
+                  </a:solidFill>
+                  <a:ln>
+                    <a:noFill/>
+                  </a:ln>
+                </p:spPr>
+                <p:txBody>
+                  <a:bodyPr wrap="square" rtlCol="0">
+                    <a:spAutoFit/>
+                  </a:bodyPr>
+                  <a:lstStyle/>
+                  <a:p>
+                    <a:pPr algn="ctr"/>
+                    <a:r>
+                      <a:rPr lang="en-US" sz="1200" b="1" dirty="0">
+                        <a:solidFill>
+                          <a:schemeClr val="bg1"/>
+                        </a:solidFill>
+                        <a:latin typeface="Helvetica" pitchFamily="2" charset="0"/>
+                        <a:cs typeface="Times New Roman" panose="02020603050405020304" pitchFamily="18" charset="0"/>
+                      </a:rPr>
+                      <a:t>+ diversity samples</a:t>
+                    </a:r>
+                  </a:p>
+                  <a:p>
+                    <a:pPr algn="ctr"/>
+                    <a:r>
+                      <a:rPr lang="en-US" sz="1200" dirty="0">
+                        <a:solidFill>
+                          <a:schemeClr val="bg1"/>
+                        </a:solidFill>
+                        <a:latin typeface="Helvetica" pitchFamily="2" charset="0"/>
+                        <a:cs typeface="Times New Roman" panose="02020603050405020304" pitchFamily="18" charset="0"/>
+                      </a:rPr>
+                      <a:t>120 languages, 20 per </a:t>
+                    </a:r>
+                    <a:r>
+                      <a:rPr lang="en-US" sz="1200" dirty="0" err="1">
+                        <a:solidFill>
+                          <a:schemeClr val="bg1"/>
+                        </a:solidFill>
+                        <a:latin typeface="Helvetica" pitchFamily="2" charset="0"/>
+                        <a:cs typeface="Times New Roman" panose="02020603050405020304" pitchFamily="18" charset="0"/>
+                      </a:rPr>
+                      <a:t>macroarea</a:t>
+                    </a:r>
+                    <a:endParaRPr lang="en-US" sz="1200" dirty="0">
+                      <a:solidFill>
+                        <a:schemeClr val="bg1"/>
+                      </a:solidFill>
+                      <a:latin typeface="Helvetica" pitchFamily="2" charset="0"/>
+                      <a:cs typeface="Times New Roman" panose="02020603050405020304" pitchFamily="18" charset="0"/>
+                    </a:endParaRPr>
+                  </a:p>
+                </p:txBody>
+              </p:sp>
+              <p:sp>
+                <p:nvSpPr>
+                  <p:cNvPr id="10" name="TextBox 9">
+                    <a:extLst>
+                      <a:ext uri="{FF2B5EF4-FFF2-40B4-BE49-F238E27FC236}">
+                        <a16:creationId xmlns:a16="http://schemas.microsoft.com/office/drawing/2014/main" id="{782B9657-AE53-1C00-895A-4871D9DB63FF}"/>
+                      </a:ext>
+                    </a:extLst>
+                  </p:cNvPr>
+                  <p:cNvSpPr txBox="1"/>
+                  <p:nvPr/>
+                </p:nvSpPr>
+                <p:spPr>
+                  <a:xfrm>
+                    <a:off x="4665666" y="-305467"/>
+                    <a:ext cx="2535078" cy="461665"/>
+                  </a:xfrm>
+                  <a:prstGeom prst="rect">
+                    <a:avLst/>
+                  </a:prstGeom>
+                  <a:solidFill>
+                    <a:schemeClr val="accent3"/>
+                  </a:solidFill>
+                  <a:ln>
+                    <a:noFill/>
+                  </a:ln>
+                </p:spPr>
+                <p:txBody>
+                  <a:bodyPr wrap="square" rtlCol="0">
+                    <a:spAutoFit/>
+                  </a:bodyPr>
+                  <a:lstStyle/>
+                  <a:p>
+                    <a:pPr algn="ctr"/>
+                    <a:r>
+                      <a:rPr lang="en-US" sz="1200" b="1" dirty="0">
+                        <a:solidFill>
+                          <a:schemeClr val="bg1"/>
+                        </a:solidFill>
+                        <a:latin typeface="Helvetica" pitchFamily="2" charset="0"/>
+                        <a:cs typeface="Times New Roman" panose="02020603050405020304" pitchFamily="18" charset="0"/>
+                      </a:rPr>
+                      <a:t>typological expectations</a:t>
+                    </a:r>
+                  </a:p>
+                  <a:p>
+                    <a:pPr algn="ctr"/>
+                    <a:r>
+                      <a:rPr lang="en-US" sz="1200" dirty="0">
+                        <a:solidFill>
+                          <a:schemeClr val="bg1"/>
+                        </a:solidFill>
+                        <a:latin typeface="Helvetica" pitchFamily="2" charset="0"/>
+                        <a:cs typeface="Times New Roman" panose="02020603050405020304" pitchFamily="18" charset="0"/>
+                      </a:rPr>
+                      <a:t>THEN, OR, AND</a:t>
+                    </a:r>
+                  </a:p>
+                </p:txBody>
+              </p:sp>
+              <p:sp>
+                <p:nvSpPr>
+                  <p:cNvPr id="66" name="TextBox 65">
+                    <a:extLst>
+                      <a:ext uri="{FF2B5EF4-FFF2-40B4-BE49-F238E27FC236}">
+                        <a16:creationId xmlns:a16="http://schemas.microsoft.com/office/drawing/2014/main" id="{EB18BBF0-BE78-1F6F-93CF-E30A13BEA4D7}"/>
+                      </a:ext>
+                    </a:extLst>
+                  </p:cNvPr>
+                  <p:cNvSpPr txBox="1"/>
+                  <p:nvPr/>
+                </p:nvSpPr>
+                <p:spPr>
+                  <a:xfrm>
+                    <a:off x="4281450" y="5022219"/>
+                    <a:ext cx="1558039" cy="461665"/>
+                  </a:xfrm>
+                  <a:prstGeom prst="rect">
+                    <a:avLst/>
+                  </a:prstGeom>
+                  <a:solidFill>
+                    <a:srgbClr val="00B050"/>
+                  </a:solidFill>
+                  <a:ln>
+                    <a:noFill/>
+                  </a:ln>
+                </p:spPr>
+                <p:txBody>
+                  <a:bodyPr wrap="square" rtlCol="0">
+                    <a:spAutoFit/>
+                  </a:bodyPr>
+                  <a:lstStyle/>
+                  <a:p>
+                    <a:pPr algn="ctr"/>
+                    <a:r>
+                      <a:rPr lang="en-US" sz="1200" b="1" dirty="0">
+                        <a:solidFill>
+                          <a:schemeClr val="bg1"/>
+                        </a:solidFill>
+                        <a:latin typeface="Helvetica" pitchFamily="2" charset="0"/>
+                        <a:cs typeface="Times New Roman" panose="02020603050405020304" pitchFamily="18" charset="0"/>
+                      </a:rPr>
+                      <a:t>Features revised</a:t>
+                    </a:r>
+                  </a:p>
+                  <a:p>
+                    <a:pPr algn="ctr"/>
+                    <a:r>
+                      <a:rPr lang="en-US" sz="1200" dirty="0">
+                        <a:solidFill>
+                          <a:schemeClr val="bg1"/>
+                        </a:solidFill>
+                        <a:latin typeface="Helvetica" pitchFamily="2" charset="0"/>
+                        <a:cs typeface="Times New Roman" panose="02020603050405020304" pitchFamily="18" charset="0"/>
+                      </a:rPr>
+                      <a:t>results documented </a:t>
+                    </a:r>
+                  </a:p>
+                </p:txBody>
+              </p:sp>
+            </p:grpSp>
             <p:sp>
               <p:nvSpPr>
-                <p:cNvPr id="11" name="TextBox 10">
+                <p:cNvPr id="94" name="TextBox 93">
                   <a:extLst>
                     <a:ext uri="{FF2B5EF4-FFF2-40B4-BE49-F238E27FC236}">
-                      <a16:creationId xmlns:a16="http://schemas.microsoft.com/office/drawing/2014/main" id="{357013B1-F249-7255-1A2A-BA24E4018E6C}"/>
+                      <a16:creationId xmlns:a16="http://schemas.microsoft.com/office/drawing/2014/main" id="{88A12543-3B6C-561D-A15F-C8484085B354}"/>
                     </a:ext>
                   </a:extLst>
                 </p:cNvPr>
@@ -3530,14 +4656,14 @@
               </p:nvSpPr>
               <p:spPr>
                 <a:xfrm>
-                  <a:off x="5077133" y="2827404"/>
-                  <a:ext cx="1717137" cy="461665"/>
+                  <a:off x="2199202" y="-670915"/>
+                  <a:ext cx="1558039" cy="276999"/>
                 </a:xfrm>
                 <a:prstGeom prst="rect">
                   <a:avLst/>
                 </a:prstGeom>
                 <a:solidFill>
-                  <a:schemeClr val="accent3"/>
+                  <a:schemeClr val="accent5"/>
                 </a:solidFill>
                 <a:ln>
                   <a:noFill/>
@@ -3558,7 +4684,7 @@
                       <a:latin typeface="Helvetica" pitchFamily="2" charset="0"/>
                       <a:cs typeface="Times New Roman" panose="02020603050405020304" pitchFamily="18" charset="0"/>
                     </a:rPr>
-                    <a:t>Evaluation of expectations</a:t>
+                    <a:t>logical dataset</a:t>
                   </a:r>
                   <a:endParaRPr lang="en-US" sz="1200" dirty="0">
                     <a:solidFill>
@@ -3570,1092 +4696,13 @@
                 </a:p>
               </p:txBody>
             </p:sp>
-            <p:cxnSp>
-              <p:nvCxnSpPr>
-                <p:cNvPr id="13" name="Straight Arrow Connector 12">
-                  <a:extLst>
-                    <a:ext uri="{FF2B5EF4-FFF2-40B4-BE49-F238E27FC236}">
-                      <a16:creationId xmlns:a16="http://schemas.microsoft.com/office/drawing/2014/main" id="{3D70BF8E-C51E-4A8B-DC75-8D9226828D6E}"/>
-                    </a:ext>
-                  </a:extLst>
-                </p:cNvPr>
-                <p:cNvCxnSpPr>
-                  <a:cxnSpLocks/>
-                  <a:stCxn id="23" idx="0"/>
-                  <a:endCxn id="94" idx="2"/>
-                </p:cNvCxnSpPr>
-                <p:nvPr/>
-              </p:nvCxnSpPr>
-              <p:spPr>
-                <a:xfrm flipV="1">
-                  <a:off x="5935702" y="454897"/>
-                  <a:ext cx="20159" cy="1279901"/>
-                </a:xfrm>
-                <a:prstGeom prst="straightConnector1">
-                  <a:avLst/>
-                </a:prstGeom>
-                <a:ln w="12700" cap="flat">
-                  <a:solidFill>
-                    <a:schemeClr val="tx1"/>
-                  </a:solidFill>
-                  <a:bevel/>
-                  <a:headEnd type="stealth" w="lg" len="lg"/>
-                  <a:tailEnd type="none" w="lg" len="lg"/>
-                </a:ln>
-              </p:spPr>
-              <p:style>
-                <a:lnRef idx="1">
-                  <a:schemeClr val="accent1"/>
-                </a:lnRef>
-                <a:fillRef idx="0">
-                  <a:schemeClr val="accent1"/>
-                </a:fillRef>
-                <a:effectRef idx="0">
-                  <a:schemeClr val="accent1"/>
-                </a:effectRef>
-                <a:fontRef idx="minor">
-                  <a:schemeClr val="tx1"/>
-                </a:fontRef>
-              </p:style>
-            </p:cxnSp>
-            <p:sp>
-              <p:nvSpPr>
-                <p:cNvPr id="27" name="TextBox 26">
-                  <a:extLst>
-                    <a:ext uri="{FF2B5EF4-FFF2-40B4-BE49-F238E27FC236}">
-                      <a16:creationId xmlns:a16="http://schemas.microsoft.com/office/drawing/2014/main" id="{322BBCE7-C5B0-852D-92B7-86BE35EEAFB4}"/>
-                    </a:ext>
-                  </a:extLst>
-                </p:cNvPr>
-                <p:cNvSpPr txBox="1"/>
-                <p:nvPr/>
-              </p:nvSpPr>
-              <p:spPr>
-                <a:xfrm>
-                  <a:off x="7650638" y="1937883"/>
-                  <a:ext cx="1558039" cy="461665"/>
-                </a:xfrm>
-                <a:prstGeom prst="rect">
-                  <a:avLst/>
-                </a:prstGeom>
-                <a:solidFill>
-                  <a:srgbClr val="C07166"/>
-                </a:solidFill>
-                <a:ln>
-                  <a:noFill/>
-                </a:ln>
-              </p:spPr>
-              <p:txBody>
-                <a:bodyPr wrap="square" rtlCol="0">
-                  <a:spAutoFit/>
-                </a:bodyPr>
-                <a:lstStyle/>
-                <a:p>
-                  <a:pPr algn="ctr"/>
-                  <a:r>
-                    <a:rPr lang="en-US" sz="1200" b="1" dirty="0">
-                      <a:solidFill>
-                        <a:schemeClr val="bg1"/>
-                      </a:solidFill>
-                      <a:latin typeface="Helvetica" pitchFamily="2" charset="0"/>
-                      <a:cs typeface="Times New Roman" panose="02020603050405020304" pitchFamily="18" charset="0"/>
-                    </a:rPr>
-                    <a:t>No action taken</a:t>
-                  </a:r>
-                </a:p>
-                <a:p>
-                  <a:pPr algn="ctr"/>
-                  <a:r>
-                    <a:rPr lang="en-US" sz="1200" dirty="0">
-                      <a:solidFill>
-                        <a:schemeClr val="bg1"/>
-                      </a:solidFill>
-                      <a:latin typeface="Helvetica" pitchFamily="2" charset="0"/>
-                      <a:cs typeface="Times New Roman" panose="02020603050405020304" pitchFamily="18" charset="0"/>
-                    </a:rPr>
-                    <a:t>untestable</a:t>
-                  </a:r>
-                </a:p>
-              </p:txBody>
-            </p:sp>
-            <p:cxnSp>
-              <p:nvCxnSpPr>
-                <p:cNvPr id="28" name="Straight Arrow Connector 27">
-                  <a:extLst>
-                    <a:ext uri="{FF2B5EF4-FFF2-40B4-BE49-F238E27FC236}">
-                      <a16:creationId xmlns:a16="http://schemas.microsoft.com/office/drawing/2014/main" id="{F7E4AB18-38F1-63E8-BABD-A4681DF1BB6D}"/>
-                    </a:ext>
-                  </a:extLst>
-                </p:cNvPr>
-                <p:cNvCxnSpPr>
-                  <a:cxnSpLocks/>
-                  <a:stCxn id="27" idx="0"/>
-                  <a:endCxn id="10" idx="3"/>
-                </p:cNvCxnSpPr>
-                <p:nvPr/>
-              </p:nvCxnSpPr>
-              <p:spPr>
-                <a:xfrm flipH="1" flipV="1">
-                  <a:off x="7200744" y="759782"/>
-                  <a:ext cx="1228914" cy="1178101"/>
-                </a:xfrm>
-                <a:prstGeom prst="straightConnector1">
-                  <a:avLst/>
-                </a:prstGeom>
-                <a:ln w="12700" cap="flat">
-                  <a:solidFill>
-                    <a:schemeClr val="tx1"/>
-                  </a:solidFill>
-                  <a:bevel/>
-                  <a:headEnd type="stealth" w="lg" len="lg"/>
-                  <a:tailEnd type="none" w="lg" len="lg"/>
-                </a:ln>
-              </p:spPr>
-              <p:style>
-                <a:lnRef idx="1">
-                  <a:schemeClr val="accent1"/>
-                </a:lnRef>
-                <a:fillRef idx="0">
-                  <a:schemeClr val="accent1"/>
-                </a:fillRef>
-                <a:effectRef idx="0">
-                  <a:schemeClr val="accent1"/>
-                </a:effectRef>
-                <a:fontRef idx="minor">
-                  <a:schemeClr val="tx1"/>
-                </a:fontRef>
-              </p:style>
-            </p:cxnSp>
-            <p:sp>
-              <p:nvSpPr>
-                <p:cNvPr id="32" name="TextBox 31">
-                  <a:extLst>
-                    <a:ext uri="{FF2B5EF4-FFF2-40B4-BE49-F238E27FC236}">
-                      <a16:creationId xmlns:a16="http://schemas.microsoft.com/office/drawing/2014/main" id="{B5320D6E-2D59-43B3-07B4-1644818A6538}"/>
-                    </a:ext>
-                  </a:extLst>
-                </p:cNvPr>
-                <p:cNvSpPr txBox="1"/>
-                <p:nvPr/>
-              </p:nvSpPr>
-              <p:spPr>
-                <a:xfrm>
-                  <a:off x="7754522" y="1000274"/>
-                  <a:ext cx="934871" cy="369332"/>
-                </a:xfrm>
-                <a:prstGeom prst="rect">
-                  <a:avLst/>
-                </a:prstGeom>
-                <a:noFill/>
-              </p:spPr>
-              <p:txBody>
-                <a:bodyPr wrap="none" rtlCol="0">
-                  <a:spAutoFit/>
-                </a:bodyPr>
-                <a:lstStyle/>
-                <a:p>
-                  <a:pPr algn="ctr"/>
-                  <a:r>
-                    <a:rPr lang="en-US" sz="900" dirty="0">
-                      <a:latin typeface="Helvetica" pitchFamily="2" charset="0"/>
-                      <a:cs typeface="Times New Roman" panose="02020603050405020304" pitchFamily="18" charset="0"/>
-                    </a:rPr>
-                    <a:t>&lt; 30% feature</a:t>
-                  </a:r>
-                  <a:br>
-                    <a:rPr lang="en-US" sz="900" dirty="0">
-                      <a:latin typeface="Helvetica" pitchFamily="2" charset="0"/>
-                      <a:cs typeface="Times New Roman" panose="02020603050405020304" pitchFamily="18" charset="0"/>
-                    </a:rPr>
-                  </a:br>
-                  <a:r>
-                    <a:rPr lang="en-US" sz="900" dirty="0">
-                      <a:latin typeface="Helvetica" pitchFamily="2" charset="0"/>
-                      <a:cs typeface="Times New Roman" panose="02020603050405020304" pitchFamily="18" charset="0"/>
-                    </a:rPr>
-                    <a:t>coding overlap</a:t>
-                  </a:r>
-                </a:p>
-              </p:txBody>
-            </p:sp>
-            <p:grpSp>
-              <p:nvGrpSpPr>
-                <p:cNvPr id="34" name="Group 33">
-                  <a:extLst>
-                    <a:ext uri="{FF2B5EF4-FFF2-40B4-BE49-F238E27FC236}">
-                      <a16:creationId xmlns:a16="http://schemas.microsoft.com/office/drawing/2014/main" id="{FDF9A6A8-BED8-0262-0854-11AA313C3924}"/>
-                    </a:ext>
-                  </a:extLst>
-                </p:cNvPr>
-                <p:cNvGrpSpPr/>
-                <p:nvPr/>
-              </p:nvGrpSpPr>
-              <p:grpSpPr>
-                <a:xfrm>
-                  <a:off x="5077133" y="1734798"/>
-                  <a:ext cx="1717137" cy="1092606"/>
-                  <a:chOff x="5077133" y="1734798"/>
-                  <a:chExt cx="1717137" cy="1092606"/>
-                </a:xfrm>
-              </p:grpSpPr>
-              <p:cxnSp>
-                <p:nvCxnSpPr>
-                  <p:cNvPr id="20" name="Straight Arrow Connector 19">
-                    <a:extLst>
-                      <a:ext uri="{FF2B5EF4-FFF2-40B4-BE49-F238E27FC236}">
-                        <a16:creationId xmlns:a16="http://schemas.microsoft.com/office/drawing/2014/main" id="{869BAAFB-B78D-0605-5A12-BF7809526692}"/>
-                      </a:ext>
-                    </a:extLst>
-                  </p:cNvPr>
-                  <p:cNvCxnSpPr>
-                    <a:cxnSpLocks/>
-                    <a:stCxn id="11" idx="0"/>
-                    <a:endCxn id="23" idx="2"/>
-                  </p:cNvCxnSpPr>
-                  <p:nvPr/>
-                </p:nvCxnSpPr>
-                <p:spPr>
-                  <a:xfrm flipV="1">
-                    <a:off x="5935702" y="2596572"/>
-                    <a:ext cx="0" cy="230832"/>
-                  </a:xfrm>
-                  <a:prstGeom prst="straightConnector1">
-                    <a:avLst/>
-                  </a:prstGeom>
-                  <a:ln w="12700" cap="flat">
-                    <a:solidFill>
-                      <a:schemeClr val="tx1"/>
-                    </a:solidFill>
-                    <a:bevel/>
-                    <a:headEnd type="none" w="lg" len="lg"/>
-                    <a:tailEnd type="none" w="lg" len="lg"/>
-                  </a:ln>
-                </p:spPr>
-                <p:style>
-                  <a:lnRef idx="1">
-                    <a:schemeClr val="accent1"/>
-                  </a:lnRef>
-                  <a:fillRef idx="0">
-                    <a:schemeClr val="accent1"/>
-                  </a:fillRef>
-                  <a:effectRef idx="0">
-                    <a:schemeClr val="accent1"/>
-                  </a:effectRef>
-                  <a:fontRef idx="minor">
-                    <a:schemeClr val="tx1"/>
-                  </a:fontRef>
-                </p:style>
-              </p:cxnSp>
-              <p:sp>
-                <p:nvSpPr>
-                  <p:cNvPr id="23" name="TextBox 22">
-                    <a:extLst>
-                      <a:ext uri="{FF2B5EF4-FFF2-40B4-BE49-F238E27FC236}">
-                        <a16:creationId xmlns:a16="http://schemas.microsoft.com/office/drawing/2014/main" id="{29473541-2E14-4AB7-EED5-327A5E0F5AB2}"/>
-                      </a:ext>
-                    </a:extLst>
-                  </p:cNvPr>
-                  <p:cNvSpPr txBox="1"/>
-                  <p:nvPr/>
-                </p:nvSpPr>
-                <p:spPr>
-                  <a:xfrm>
-                    <a:off x="5077133" y="1734798"/>
-                    <a:ext cx="1717137" cy="861774"/>
-                  </a:xfrm>
-                  <a:prstGeom prst="rect">
-                    <a:avLst/>
-                  </a:prstGeom>
-                  <a:solidFill>
-                    <a:schemeClr val="bg1"/>
-                  </a:solidFill>
-                  <a:ln>
-                    <a:solidFill>
-                      <a:schemeClr val="accent3"/>
-                    </a:solidFill>
-                  </a:ln>
-                </p:spPr>
-                <p:txBody>
-                  <a:bodyPr wrap="square" rtlCol="0">
-                    <a:spAutoFit/>
-                  </a:bodyPr>
-                  <a:lstStyle/>
-                  <a:p>
-                    <a:pPr marL="171450" indent="-171450">
-                      <a:buFont typeface="Arial" panose="020B0604020202020204" pitchFamily="34" charset="0"/>
-                      <a:buChar char="•"/>
-                    </a:pPr>
-                    <a:r>
-                      <a:rPr lang="en-US" sz="1000" dirty="0">
-                        <a:latin typeface="Helvetica" pitchFamily="2" charset="0"/>
-                        <a:cs typeface="Times New Roman" panose="02020603050405020304" pitchFamily="18" charset="0"/>
-                      </a:rPr>
-                      <a:t>1/3 applicability ratio</a:t>
-                    </a:r>
-                    <a:br>
-                      <a:rPr lang="en-US" sz="1000" dirty="0">
-                        <a:latin typeface="Helvetica" pitchFamily="2" charset="0"/>
-                        <a:cs typeface="Times New Roman" panose="02020603050405020304" pitchFamily="18" charset="0"/>
-                      </a:rPr>
-                    </a:br>
-                    <a:r>
-                      <a:rPr lang="en-US" sz="1000" dirty="0">
-                        <a:latin typeface="Helvetica" pitchFamily="2" charset="0"/>
-                        <a:cs typeface="Times New Roman" panose="02020603050405020304" pitchFamily="18" charset="0"/>
-                      </a:rPr>
-                      <a:t>per diversity sample</a:t>
-                    </a:r>
-                    <a:br>
-                      <a:rPr lang="en-US" sz="1000" dirty="0">
-                        <a:latin typeface="Helvetica" pitchFamily="2" charset="0"/>
-                        <a:cs typeface="Times New Roman" panose="02020603050405020304" pitchFamily="18" charset="0"/>
-                      </a:rPr>
-                    </a:br>
-                    <a:endParaRPr lang="en-US" sz="1000" dirty="0">
-                      <a:latin typeface="Helvetica" pitchFamily="2" charset="0"/>
-                      <a:cs typeface="Times New Roman" panose="02020603050405020304" pitchFamily="18" charset="0"/>
-                    </a:endParaRPr>
-                  </a:p>
-                  <a:p>
-                    <a:pPr marL="171450" indent="-171450">
-                      <a:buFont typeface="Arial" panose="020B0604020202020204" pitchFamily="34" charset="0"/>
-                      <a:buChar char="•"/>
-                    </a:pPr>
-                    <a:r>
-                      <a:rPr lang="en-US" sz="1000" dirty="0">
-                        <a:latin typeface="Helvetica" pitchFamily="2" charset="0"/>
-                        <a:cs typeface="Times New Roman" panose="02020603050405020304" pitchFamily="18" charset="0"/>
-                      </a:rPr>
-                      <a:t>20+ diversity samples</a:t>
-                    </a:r>
-                    <a:br>
-                      <a:rPr lang="en-US" sz="1000" dirty="0">
-                        <a:latin typeface="Helvetica" pitchFamily="2" charset="0"/>
-                        <a:cs typeface="Times New Roman" panose="02020603050405020304" pitchFamily="18" charset="0"/>
-                      </a:rPr>
-                    </a:br>
-                    <a:r>
-                      <a:rPr lang="en-US" sz="1000" dirty="0">
-                        <a:latin typeface="Helvetica" pitchFamily="2" charset="0"/>
-                        <a:cs typeface="Times New Roman" panose="02020603050405020304" pitchFamily="18" charset="0"/>
-                      </a:rPr>
-                      <a:t>per expectation</a:t>
-                    </a:r>
-                  </a:p>
-                </p:txBody>
-              </p:sp>
-            </p:grpSp>
-            <p:cxnSp>
-              <p:nvCxnSpPr>
-                <p:cNvPr id="35" name="Straight Arrow Connector 34">
-                  <a:extLst>
-                    <a:ext uri="{FF2B5EF4-FFF2-40B4-BE49-F238E27FC236}">
-                      <a16:creationId xmlns:a16="http://schemas.microsoft.com/office/drawing/2014/main" id="{A6036E46-8219-6569-9472-F47010C57546}"/>
-                    </a:ext>
-                  </a:extLst>
-                </p:cNvPr>
-                <p:cNvCxnSpPr>
-                  <a:cxnSpLocks/>
-                  <a:stCxn id="27" idx="1"/>
-                  <a:endCxn id="23" idx="3"/>
-                </p:cNvCxnSpPr>
-                <p:nvPr/>
-              </p:nvCxnSpPr>
-              <p:spPr>
-                <a:xfrm flipH="1" flipV="1">
-                  <a:off x="6794270" y="2165685"/>
-                  <a:ext cx="856368" cy="3031"/>
-                </a:xfrm>
-                <a:prstGeom prst="straightConnector1">
-                  <a:avLst/>
-                </a:prstGeom>
-                <a:ln w="12700" cap="flat">
-                  <a:solidFill>
-                    <a:schemeClr val="tx1"/>
-                  </a:solidFill>
-                  <a:bevel/>
-                  <a:headEnd type="stealth" w="lg" len="lg"/>
-                  <a:tailEnd type="none" w="lg" len="lg"/>
-                </a:ln>
-              </p:spPr>
-              <p:style>
-                <a:lnRef idx="1">
-                  <a:schemeClr val="accent1"/>
-                </a:lnRef>
-                <a:fillRef idx="0">
-                  <a:schemeClr val="accent1"/>
-                </a:fillRef>
-                <a:effectRef idx="0">
-                  <a:schemeClr val="accent1"/>
-                </a:effectRef>
-                <a:fontRef idx="minor">
-                  <a:schemeClr val="tx1"/>
-                </a:fontRef>
-              </p:style>
-            </p:cxnSp>
-            <p:sp>
-              <p:nvSpPr>
-                <p:cNvPr id="40" name="TextBox 39">
-                  <a:extLst>
-                    <a:ext uri="{FF2B5EF4-FFF2-40B4-BE49-F238E27FC236}">
-                      <a16:creationId xmlns:a16="http://schemas.microsoft.com/office/drawing/2014/main" id="{D15D551B-EDC3-54A5-2AE0-C58A8D56FED1}"/>
-                    </a:ext>
-                  </a:extLst>
-                </p:cNvPr>
-                <p:cNvSpPr txBox="1"/>
-                <p:nvPr/>
-              </p:nvSpPr>
-              <p:spPr>
-                <a:xfrm>
-                  <a:off x="6783766" y="1914801"/>
-                  <a:ext cx="873957" cy="230832"/>
-                </a:xfrm>
-                <a:prstGeom prst="rect">
-                  <a:avLst/>
-                </a:prstGeom>
-                <a:noFill/>
-              </p:spPr>
-              <p:txBody>
-                <a:bodyPr wrap="none" rtlCol="0">
-                  <a:spAutoFit/>
-                </a:bodyPr>
-                <a:lstStyle/>
-                <a:p>
-                  <a:pPr algn="ctr"/>
-                  <a:r>
-                    <a:rPr lang="en-US" sz="900" dirty="0">
-                      <a:latin typeface="Helvetica" pitchFamily="2" charset="0"/>
-                      <a:cs typeface="Times New Roman" panose="02020603050405020304" pitchFamily="18" charset="0"/>
-                    </a:rPr>
-                    <a:t>&lt; 20 samples</a:t>
-                  </a:r>
-                </a:p>
-              </p:txBody>
-            </p:sp>
-            <p:sp>
-              <p:nvSpPr>
-                <p:cNvPr id="44" name="TextBox 43">
-                  <a:extLst>
-                    <a:ext uri="{FF2B5EF4-FFF2-40B4-BE49-F238E27FC236}">
-                      <a16:creationId xmlns:a16="http://schemas.microsoft.com/office/drawing/2014/main" id="{1D41CF73-C654-85CB-C551-4AC654AF565D}"/>
-                    </a:ext>
-                  </a:extLst>
-                </p:cNvPr>
-                <p:cNvSpPr txBox="1"/>
-                <p:nvPr/>
-              </p:nvSpPr>
-              <p:spPr>
-                <a:xfrm>
-                  <a:off x="5080513" y="3583251"/>
-                  <a:ext cx="1717137" cy="553998"/>
-                </a:xfrm>
-                <a:prstGeom prst="rect">
-                  <a:avLst/>
-                </a:prstGeom>
-                <a:solidFill>
-                  <a:schemeClr val="bg1"/>
-                </a:solidFill>
-                <a:ln>
-                  <a:solidFill>
-                    <a:schemeClr val="accent3"/>
-                  </a:solidFill>
-                </a:ln>
-              </p:spPr>
-              <p:txBody>
-                <a:bodyPr wrap="square" rtlCol="0">
-                  <a:spAutoFit/>
-                </a:bodyPr>
-                <a:lstStyle/>
-                <a:p>
-                  <a:pPr algn="ctr"/>
-                  <a:r>
-                    <a:rPr lang="en-US" sz="1000" dirty="0">
-                      <a:latin typeface="Helvetica" pitchFamily="2" charset="0"/>
-                      <a:cs typeface="Times New Roman" panose="02020603050405020304" pitchFamily="18" charset="0"/>
-                    </a:rPr>
-                    <a:t>conditional probabilities (P)</a:t>
-                  </a:r>
-                </a:p>
-                <a:p>
-                  <a:pPr algn="ctr"/>
-                  <a:r>
-                    <a:rPr lang="en-US" sz="1000" dirty="0">
-                      <a:latin typeface="Helvetica" pitchFamily="2" charset="0"/>
-                      <a:cs typeface="Times New Roman" panose="02020603050405020304" pitchFamily="18" charset="0"/>
-                    </a:rPr>
-                    <a:t>marginal probabilities (Q)</a:t>
-                  </a:r>
-                </a:p>
-                <a:p>
-                  <a:pPr algn="ctr"/>
-                  <a:r>
-                    <a:rPr lang="en-US" sz="1000" dirty="0">
-                      <a:latin typeface="Helvetica" pitchFamily="2" charset="0"/>
-                      <a:cs typeface="Times New Roman" panose="02020603050405020304" pitchFamily="18" charset="0"/>
-                    </a:rPr>
-                    <a:t>Cohen’s D (P, Q)</a:t>
-                  </a:r>
-                </a:p>
-              </p:txBody>
-            </p:sp>
-            <p:cxnSp>
-              <p:nvCxnSpPr>
-                <p:cNvPr id="54" name="Straight Arrow Connector 53">
-                  <a:extLst>
-                    <a:ext uri="{FF2B5EF4-FFF2-40B4-BE49-F238E27FC236}">
-                      <a16:creationId xmlns:a16="http://schemas.microsoft.com/office/drawing/2014/main" id="{741DF307-29BA-E3E6-E134-591EC1E38D17}"/>
-                    </a:ext>
-                  </a:extLst>
-                </p:cNvPr>
-                <p:cNvCxnSpPr>
-                  <a:cxnSpLocks/>
-                  <a:stCxn id="65" idx="0"/>
-                  <a:endCxn id="44" idx="2"/>
-                </p:cNvCxnSpPr>
-                <p:nvPr/>
-              </p:nvCxnSpPr>
-              <p:spPr>
-                <a:xfrm flipH="1" flipV="1">
-                  <a:off x="5939082" y="4137249"/>
-                  <a:ext cx="855188" cy="884970"/>
-                </a:xfrm>
-                <a:prstGeom prst="straightConnector1">
-                  <a:avLst/>
-                </a:prstGeom>
-                <a:ln w="12700" cap="flat">
-                  <a:solidFill>
-                    <a:schemeClr val="tx1"/>
-                  </a:solidFill>
-                  <a:bevel/>
-                  <a:headEnd type="stealth" w="lg" len="lg"/>
-                  <a:tailEnd type="none" w="lg" len="lg"/>
-                </a:ln>
-              </p:spPr>
-              <p:style>
-                <a:lnRef idx="1">
-                  <a:schemeClr val="accent1"/>
-                </a:lnRef>
-                <a:fillRef idx="0">
-                  <a:schemeClr val="accent1"/>
-                </a:fillRef>
-                <a:effectRef idx="0">
-                  <a:schemeClr val="accent1"/>
-                </a:effectRef>
-                <a:fontRef idx="minor">
-                  <a:schemeClr val="tx1"/>
-                </a:fontRef>
-              </p:style>
-            </p:cxnSp>
-            <mc:AlternateContent xmlns:mc="http://schemas.openxmlformats.org/markup-compatibility/2006">
-              <mc:Choice xmlns:a14="http://schemas.microsoft.com/office/drawing/2010/main" Requires="a14">
-                <p:sp>
-                  <p:nvSpPr>
-                    <p:cNvPr id="63" name="TextBox 62">
-                      <a:extLst>
-                        <a:ext uri="{FF2B5EF4-FFF2-40B4-BE49-F238E27FC236}">
-                          <a16:creationId xmlns:a16="http://schemas.microsoft.com/office/drawing/2014/main" id="{583F5B90-97D4-84CB-53FE-F655E75F7D8C}"/>
-                        </a:ext>
-                      </a:extLst>
-                    </p:cNvPr>
-                    <p:cNvSpPr txBox="1"/>
-                    <p:nvPr/>
-                  </p:nvSpPr>
-                  <p:spPr>
-                    <a:xfrm>
-                      <a:off x="3489007" y="4375647"/>
-                      <a:ext cx="1996059" cy="369332"/>
-                    </a:xfrm>
-                    <a:prstGeom prst="rect">
-                      <a:avLst/>
-                    </a:prstGeom>
-                    <a:noFill/>
-                  </p:spPr>
-                  <p:txBody>
-                    <a:bodyPr wrap="none" rtlCol="0">
-                      <a:spAutoFit/>
-                    </a:bodyPr>
-                    <a:lstStyle/>
-                    <a:p>
-                      <a:pPr algn="ctr"/>
-                      <a:r>
-                        <a:rPr lang="en-US" sz="900" dirty="0">
-                          <a:latin typeface="Helvetica" pitchFamily="2" charset="0"/>
-                          <a:cs typeface="Times New Roman" panose="02020603050405020304" pitchFamily="18" charset="0"/>
-                        </a:rPr>
-                        <a:t>strong effect (Cohen’s D &gt; 1.3) </a:t>
-                      </a:r>
-                      <a:r>
-                        <a:rPr lang="en-US" sz="900" b="1" dirty="0">
-                          <a:latin typeface="Helvetica" pitchFamily="2" charset="0"/>
-                          <a:cs typeface="Times New Roman" panose="02020603050405020304" pitchFamily="18" charset="0"/>
-                        </a:rPr>
-                        <a:t>and</a:t>
-                      </a:r>
-                    </a:p>
-                    <a:p>
-                      <a:pPr algn="ctr"/>
-                      <a:r>
-                        <a:rPr lang="en-US" sz="900" dirty="0">
-                          <a:latin typeface="Helvetica" pitchFamily="2" charset="0"/>
-                          <a:cs typeface="Times New Roman" panose="02020603050405020304" pitchFamily="18" charset="0"/>
-                        </a:rPr>
-                        <a:t>few exceptions (µ + </a:t>
-                      </a:r>
-                      <a14:m>
-                        <m:oMath xmlns:m="http://schemas.openxmlformats.org/officeDocument/2006/math">
-                          <m:r>
-                            <a:rPr lang="en-US" sz="900" i="1">
-                              <a:latin typeface="Cambria Math" panose="02040503050406030204" pitchFamily="18" charset="0"/>
-                              <a:ea typeface="Cambria Math" panose="02040503050406030204" pitchFamily="18" charset="0"/>
-                              <a:cs typeface="Times New Roman" panose="02020603050405020304" pitchFamily="18" charset="0"/>
-                            </a:rPr>
-                            <m:t>𝜎</m:t>
-                          </m:r>
-                        </m:oMath>
-                      </a14:m>
-                      <a:r>
-                        <a:rPr lang="en-US" sz="900" dirty="0">
-                          <a:latin typeface="Helvetica" pitchFamily="2" charset="0"/>
-                          <a:cs typeface="Times New Roman" panose="02020603050405020304" pitchFamily="18" charset="0"/>
-                        </a:rPr>
-                        <a:t> of P &lt; 0.2)</a:t>
-                      </a:r>
-                    </a:p>
-                  </p:txBody>
-                </p:sp>
-              </mc:Choice>
-              <mc:Fallback>
-                <p:sp>
-                  <p:nvSpPr>
-                    <p:cNvPr id="63" name="TextBox 62">
-                      <a:extLst>
-                        <a:ext uri="{FF2B5EF4-FFF2-40B4-BE49-F238E27FC236}">
-                          <a16:creationId xmlns:a16="http://schemas.microsoft.com/office/drawing/2014/main" id="{583F5B90-97D4-84CB-53FE-F655E75F7D8C}"/>
-                        </a:ext>
-                      </a:extLst>
-                    </p:cNvPr>
-                    <p:cNvSpPr txBox="1">
-                      <a:spLocks noRot="1" noChangeAspect="1" noMove="1" noResize="1" noEditPoints="1" noAdjustHandles="1" noChangeArrowheads="1" noChangeShapeType="1" noTextEdit="1"/>
-                    </p:cNvSpPr>
-                    <p:nvPr/>
-                  </p:nvSpPr>
-                  <p:spPr>
-                    <a:xfrm>
-                      <a:off x="3489007" y="4375647"/>
-                      <a:ext cx="1996059" cy="369332"/>
-                    </a:xfrm>
-                    <a:prstGeom prst="rect">
-                      <a:avLst/>
-                    </a:prstGeom>
-                    <a:blipFill>
-                      <a:blip r:embed="rId3"/>
-                      <a:stretch>
-                        <a:fillRect b="-6897"/>
-                      </a:stretch>
-                    </a:blipFill>
-                  </p:spPr>
-                  <p:txBody>
-                    <a:bodyPr/>
-                    <a:lstStyle/>
-                    <a:p>
-                      <a:r>
-                        <a:rPr lang="en-US">
-                          <a:noFill/>
-                        </a:rPr>
-                        <a:t> </a:t>
-                      </a:r>
-                    </a:p>
-                  </p:txBody>
-                </p:sp>
-              </mc:Fallback>
-            </mc:AlternateContent>
-            <mc:AlternateContent xmlns:mc="http://schemas.openxmlformats.org/markup-compatibility/2006">
-              <mc:Choice xmlns:a14="http://schemas.microsoft.com/office/drawing/2010/main" Requires="a14">
-                <p:sp>
-                  <p:nvSpPr>
-                    <p:cNvPr id="64" name="TextBox 63">
-                      <a:extLst>
-                        <a:ext uri="{FF2B5EF4-FFF2-40B4-BE49-F238E27FC236}">
-                          <a16:creationId xmlns:a16="http://schemas.microsoft.com/office/drawing/2014/main" id="{39E91F6C-A832-7208-9D8E-4E251D7C3B56}"/>
-                        </a:ext>
-                      </a:extLst>
-                    </p:cNvPr>
-                    <p:cNvSpPr txBox="1"/>
-                    <p:nvPr/>
-                  </p:nvSpPr>
-                  <p:spPr>
-                    <a:xfrm>
-                      <a:off x="6264084" y="4304528"/>
-                      <a:ext cx="2098651" cy="369332"/>
-                    </a:xfrm>
-                    <a:prstGeom prst="rect">
-                      <a:avLst/>
-                    </a:prstGeom>
-                    <a:noFill/>
-                  </p:spPr>
-                  <p:txBody>
-                    <a:bodyPr wrap="none" rtlCol="0">
-                      <a:spAutoFit/>
-                    </a:bodyPr>
-                    <a:lstStyle/>
-                    <a:p>
-                      <a:pPr algn="ctr"/>
-                      <a:r>
-                        <a:rPr lang="en-US" sz="900" dirty="0">
-                          <a:latin typeface="Helvetica" pitchFamily="2" charset="0"/>
-                          <a:cs typeface="Times New Roman" panose="02020603050405020304" pitchFamily="18" charset="0"/>
-                        </a:rPr>
-                        <a:t>effect not strong (Cohen’s D &lt; 1.3) </a:t>
-                      </a:r>
-                      <a:r>
-                        <a:rPr lang="en-US" sz="900" b="1" dirty="0">
-                          <a:latin typeface="Helvetica" pitchFamily="2" charset="0"/>
-                          <a:cs typeface="Times New Roman" panose="02020603050405020304" pitchFamily="18" charset="0"/>
-                        </a:rPr>
-                        <a:t>or</a:t>
-                      </a:r>
-                    </a:p>
-                    <a:p>
-                      <a:pPr algn="ctr"/>
-                      <a:r>
-                        <a:rPr lang="en-US" sz="900" dirty="0">
-                          <a:latin typeface="Helvetica" pitchFamily="2" charset="0"/>
-                          <a:cs typeface="Times New Roman" panose="02020603050405020304" pitchFamily="18" charset="0"/>
-                        </a:rPr>
-                        <a:t>many exceptions (µ + </a:t>
-                      </a:r>
-                      <a14:m>
-                        <m:oMath xmlns:m="http://schemas.openxmlformats.org/officeDocument/2006/math">
-                          <m:r>
-                            <a:rPr lang="en-US" sz="900" i="1">
-                              <a:latin typeface="Cambria Math" panose="02040503050406030204" pitchFamily="18" charset="0"/>
-                              <a:ea typeface="Cambria Math" panose="02040503050406030204" pitchFamily="18" charset="0"/>
-                              <a:cs typeface="Times New Roman" panose="02020603050405020304" pitchFamily="18" charset="0"/>
-                            </a:rPr>
-                            <m:t>𝜎</m:t>
-                          </m:r>
-                        </m:oMath>
-                      </a14:m>
-                      <a:r>
-                        <a:rPr lang="en-US" sz="900" dirty="0">
-                          <a:latin typeface="Helvetica" pitchFamily="2" charset="0"/>
-                          <a:cs typeface="Times New Roman" panose="02020603050405020304" pitchFamily="18" charset="0"/>
-                        </a:rPr>
-                        <a:t> of P &gt; 0.2)</a:t>
-                      </a:r>
-                    </a:p>
-                  </p:txBody>
-                </p:sp>
-              </mc:Choice>
-              <mc:Fallback>
-                <p:sp>
-                  <p:nvSpPr>
-                    <p:cNvPr id="64" name="TextBox 63">
-                      <a:extLst>
-                        <a:ext uri="{FF2B5EF4-FFF2-40B4-BE49-F238E27FC236}">
-                          <a16:creationId xmlns:a16="http://schemas.microsoft.com/office/drawing/2014/main" id="{39E91F6C-A832-7208-9D8E-4E251D7C3B56}"/>
-                        </a:ext>
-                      </a:extLst>
-                    </p:cNvPr>
-                    <p:cNvSpPr txBox="1">
-                      <a:spLocks noRot="1" noChangeAspect="1" noMove="1" noResize="1" noEditPoints="1" noAdjustHandles="1" noChangeArrowheads="1" noChangeShapeType="1" noTextEdit="1"/>
-                    </p:cNvSpPr>
-                    <p:nvPr/>
-                  </p:nvSpPr>
-                  <p:spPr>
-                    <a:xfrm>
-                      <a:off x="6264084" y="4304528"/>
-                      <a:ext cx="2098651" cy="369332"/>
-                    </a:xfrm>
-                    <a:prstGeom prst="rect">
-                      <a:avLst/>
-                    </a:prstGeom>
-                    <a:blipFill>
-                      <a:blip r:embed="rId4"/>
-                      <a:stretch>
-                        <a:fillRect b="-3333"/>
-                      </a:stretch>
-                    </a:blipFill>
-                  </p:spPr>
-                  <p:txBody>
-                    <a:bodyPr/>
-                    <a:lstStyle/>
-                    <a:p>
-                      <a:r>
-                        <a:rPr lang="en-US">
-                          <a:noFill/>
-                        </a:rPr>
-                        <a:t> </a:t>
-                      </a:r>
-                    </a:p>
-                  </p:txBody>
-                </p:sp>
-              </mc:Fallback>
-            </mc:AlternateContent>
-            <p:sp>
-              <p:nvSpPr>
-                <p:cNvPr id="65" name="TextBox 64">
-                  <a:extLst>
-                    <a:ext uri="{FF2B5EF4-FFF2-40B4-BE49-F238E27FC236}">
-                      <a16:creationId xmlns:a16="http://schemas.microsoft.com/office/drawing/2014/main" id="{CFCDEE71-86C1-87C0-3F46-7C5E497B411C}"/>
-                    </a:ext>
-                  </a:extLst>
-                </p:cNvPr>
-                <p:cNvSpPr txBox="1"/>
-                <p:nvPr/>
-              </p:nvSpPr>
-              <p:spPr>
-                <a:xfrm>
-                  <a:off x="6015250" y="5022219"/>
-                  <a:ext cx="1558039" cy="461665"/>
-                </a:xfrm>
-                <a:prstGeom prst="rect">
-                  <a:avLst/>
-                </a:prstGeom>
-                <a:solidFill>
-                  <a:srgbClr val="C07166"/>
-                </a:solidFill>
-                <a:ln>
-                  <a:noFill/>
-                </a:ln>
-              </p:spPr>
-              <p:txBody>
-                <a:bodyPr wrap="square" rtlCol="0">
-                  <a:spAutoFit/>
-                </a:bodyPr>
-                <a:lstStyle/>
-                <a:p>
-                  <a:pPr algn="ctr"/>
-                  <a:r>
-                    <a:rPr lang="en-US" sz="1200" b="1" dirty="0">
-                      <a:solidFill>
-                        <a:schemeClr val="bg1"/>
-                      </a:solidFill>
-                      <a:latin typeface="Helvetica" pitchFamily="2" charset="0"/>
-                      <a:cs typeface="Times New Roman" panose="02020603050405020304" pitchFamily="18" charset="0"/>
-                    </a:rPr>
-                    <a:t>No action taken</a:t>
-                  </a:r>
-                </a:p>
-                <a:p>
-                  <a:pPr algn="ctr"/>
-                  <a:r>
-                    <a:rPr lang="en-US" sz="1200" dirty="0">
-                      <a:solidFill>
-                        <a:schemeClr val="bg1"/>
-                      </a:solidFill>
-                      <a:latin typeface="Helvetica" pitchFamily="2" charset="0"/>
-                      <a:cs typeface="Times New Roman" panose="02020603050405020304" pitchFamily="18" charset="0"/>
-                    </a:rPr>
-                    <a:t>results documented</a:t>
-                  </a:r>
-                </a:p>
-              </p:txBody>
-            </p:sp>
-            <p:sp>
-              <p:nvSpPr>
-                <p:cNvPr id="12" name="TextBox 11">
-                  <a:extLst>
-                    <a:ext uri="{FF2B5EF4-FFF2-40B4-BE49-F238E27FC236}">
-                      <a16:creationId xmlns:a16="http://schemas.microsoft.com/office/drawing/2014/main" id="{CCE572FD-D041-FEAB-10E9-63AB0B646F13}"/>
-                    </a:ext>
-                  </a:extLst>
-                </p:cNvPr>
-                <p:cNvSpPr txBox="1"/>
-                <p:nvPr/>
-              </p:nvSpPr>
-              <p:spPr>
-                <a:xfrm>
-                  <a:off x="4665666" y="1068972"/>
-                  <a:ext cx="2551307" cy="461665"/>
-                </a:xfrm>
-                <a:prstGeom prst="rect">
-                  <a:avLst/>
-                </a:prstGeom>
-                <a:solidFill>
-                  <a:schemeClr val="accent3"/>
-                </a:solidFill>
-                <a:ln>
-                  <a:noFill/>
-                </a:ln>
-              </p:spPr>
-              <p:txBody>
-                <a:bodyPr wrap="square" rtlCol="0">
-                  <a:spAutoFit/>
-                </a:bodyPr>
-                <a:lstStyle/>
-                <a:p>
-                  <a:pPr algn="ctr"/>
-                  <a:r>
-                    <a:rPr lang="en-US" sz="1200" b="1" dirty="0">
-                      <a:solidFill>
-                        <a:schemeClr val="bg1"/>
-                      </a:solidFill>
-                      <a:latin typeface="Helvetica" pitchFamily="2" charset="0"/>
-                      <a:cs typeface="Times New Roman" panose="02020603050405020304" pitchFamily="18" charset="0"/>
-                    </a:rPr>
-                    <a:t>+ diversity samples</a:t>
-                  </a:r>
-                </a:p>
-                <a:p>
-                  <a:pPr algn="ctr"/>
-                  <a:r>
-                    <a:rPr lang="en-US" sz="1200" dirty="0">
-                      <a:solidFill>
-                        <a:schemeClr val="bg1"/>
-                      </a:solidFill>
-                      <a:latin typeface="Helvetica" pitchFamily="2" charset="0"/>
-                      <a:cs typeface="Times New Roman" panose="02020603050405020304" pitchFamily="18" charset="0"/>
-                    </a:rPr>
-                    <a:t>120 languages, 20 per </a:t>
-                  </a:r>
-                  <a:r>
-                    <a:rPr lang="en-US" sz="1200" dirty="0" err="1">
-                      <a:solidFill>
-                        <a:schemeClr val="bg1"/>
-                      </a:solidFill>
-                      <a:latin typeface="Helvetica" pitchFamily="2" charset="0"/>
-                      <a:cs typeface="Times New Roman" panose="02020603050405020304" pitchFamily="18" charset="0"/>
-                    </a:rPr>
-                    <a:t>macroarea</a:t>
-                  </a:r>
-                  <a:endParaRPr lang="en-US" sz="1200" dirty="0">
-                    <a:solidFill>
-                      <a:schemeClr val="bg1"/>
-                    </a:solidFill>
-                    <a:latin typeface="Helvetica" pitchFamily="2" charset="0"/>
-                    <a:cs typeface="Times New Roman" panose="02020603050405020304" pitchFamily="18" charset="0"/>
-                  </a:endParaRPr>
-                </a:p>
-              </p:txBody>
-            </p:sp>
-            <p:sp>
-              <p:nvSpPr>
-                <p:cNvPr id="10" name="TextBox 9">
-                  <a:extLst>
-                    <a:ext uri="{FF2B5EF4-FFF2-40B4-BE49-F238E27FC236}">
-                      <a16:creationId xmlns:a16="http://schemas.microsoft.com/office/drawing/2014/main" id="{782B9657-AE53-1C00-895A-4871D9DB63FF}"/>
-                    </a:ext>
-                  </a:extLst>
-                </p:cNvPr>
-                <p:cNvSpPr txBox="1"/>
-                <p:nvPr/>
-              </p:nvSpPr>
-              <p:spPr>
-                <a:xfrm>
-                  <a:off x="4665666" y="528949"/>
-                  <a:ext cx="2535078" cy="461665"/>
-                </a:xfrm>
-                <a:prstGeom prst="rect">
-                  <a:avLst/>
-                </a:prstGeom>
-                <a:solidFill>
-                  <a:schemeClr val="accent3"/>
-                </a:solidFill>
-                <a:ln>
-                  <a:noFill/>
-                </a:ln>
-              </p:spPr>
-              <p:txBody>
-                <a:bodyPr wrap="square" rtlCol="0">
-                  <a:spAutoFit/>
-                </a:bodyPr>
-                <a:lstStyle/>
-                <a:p>
-                  <a:pPr algn="ctr"/>
-                  <a:r>
-                    <a:rPr lang="en-US" sz="1200" b="1" dirty="0">
-                      <a:solidFill>
-                        <a:schemeClr val="bg1"/>
-                      </a:solidFill>
-                      <a:latin typeface="Helvetica" pitchFamily="2" charset="0"/>
-                      <a:cs typeface="Times New Roman" panose="02020603050405020304" pitchFamily="18" charset="0"/>
-                    </a:rPr>
-                    <a:t>typological expectations</a:t>
-                  </a:r>
-                </a:p>
-                <a:p>
-                  <a:pPr algn="ctr"/>
-                  <a:r>
-                    <a:rPr lang="en-US" sz="1200" dirty="0">
-                      <a:solidFill>
-                        <a:schemeClr val="bg1"/>
-                      </a:solidFill>
-                      <a:latin typeface="Helvetica" pitchFamily="2" charset="0"/>
-                      <a:cs typeface="Times New Roman" panose="02020603050405020304" pitchFamily="18" charset="0"/>
-                    </a:rPr>
-                    <a:t>THEN, OR, AND</a:t>
-                  </a:r>
-                </a:p>
-              </p:txBody>
-            </p:sp>
-            <p:sp>
-              <p:nvSpPr>
-                <p:cNvPr id="66" name="TextBox 65">
-                  <a:extLst>
-                    <a:ext uri="{FF2B5EF4-FFF2-40B4-BE49-F238E27FC236}">
-                      <a16:creationId xmlns:a16="http://schemas.microsoft.com/office/drawing/2014/main" id="{EB18BBF0-BE78-1F6F-93CF-E30A13BEA4D7}"/>
-                    </a:ext>
-                  </a:extLst>
-                </p:cNvPr>
-                <p:cNvSpPr txBox="1"/>
-                <p:nvPr/>
-              </p:nvSpPr>
-              <p:spPr>
-                <a:xfrm>
-                  <a:off x="4298113" y="5022219"/>
-                  <a:ext cx="1558039" cy="461665"/>
-                </a:xfrm>
-                <a:prstGeom prst="rect">
-                  <a:avLst/>
-                </a:prstGeom>
-                <a:solidFill>
-                  <a:srgbClr val="00B050"/>
-                </a:solidFill>
-                <a:ln>
-                  <a:noFill/>
-                </a:ln>
-              </p:spPr>
-              <p:txBody>
-                <a:bodyPr wrap="square" rtlCol="0">
-                  <a:spAutoFit/>
-                </a:bodyPr>
-                <a:lstStyle/>
-                <a:p>
-                  <a:pPr algn="ctr"/>
-                  <a:r>
-                    <a:rPr lang="en-US" sz="1200" b="1" dirty="0">
-                      <a:solidFill>
-                        <a:schemeClr val="bg1"/>
-                      </a:solidFill>
-                      <a:latin typeface="Helvetica" pitchFamily="2" charset="0"/>
-                      <a:cs typeface="Times New Roman" panose="02020603050405020304" pitchFamily="18" charset="0"/>
-                    </a:rPr>
-                    <a:t>Features revised</a:t>
-                  </a:r>
-                </a:p>
-                <a:p>
-                  <a:pPr algn="ctr"/>
-                  <a:r>
-                    <a:rPr lang="en-US" sz="1200" dirty="0">
-                      <a:solidFill>
-                        <a:schemeClr val="bg1"/>
-                      </a:solidFill>
-                      <a:latin typeface="Helvetica" pitchFamily="2" charset="0"/>
-                      <a:cs typeface="Times New Roman" panose="02020603050405020304" pitchFamily="18" charset="0"/>
-                    </a:rPr>
-                    <a:t>results documented </a:t>
-                  </a:r>
-                </a:p>
-              </p:txBody>
-            </p:sp>
           </p:grpSp>
           <p:sp>
             <p:nvSpPr>
-              <p:cNvPr id="94" name="TextBox 93">
+              <p:cNvPr id="155" name="TextBox 154">
                 <a:extLst>
                   <a:ext uri="{FF2B5EF4-FFF2-40B4-BE49-F238E27FC236}">
-                    <a16:creationId xmlns:a16="http://schemas.microsoft.com/office/drawing/2014/main" id="{88A12543-3B6C-561D-A15F-C8484085B354}"/>
+                    <a16:creationId xmlns:a16="http://schemas.microsoft.com/office/drawing/2014/main" id="{CA8BE73F-2B7F-5DA6-7423-519D9ABDF931}"/>
                   </a:ext>
                 </a:extLst>
               </p:cNvPr>
@@ -4664,14 +4711,14 @@
             </p:nvSpPr>
             <p:spPr>
               <a:xfrm>
-                <a:off x="2199202" y="163501"/>
+                <a:off x="2105043" y="5970383"/>
                 <a:ext cx="1558039" cy="276999"/>
               </a:xfrm>
               <a:prstGeom prst="rect">
                 <a:avLst/>
               </a:prstGeom>
               <a:solidFill>
-                <a:schemeClr val="accent5"/>
+                <a:schemeClr val="accent1"/>
               </a:solidFill>
               <a:ln>
                 <a:noFill/>
@@ -4692,225 +4739,327 @@
                     <a:latin typeface="Helvetica" pitchFamily="2" charset="0"/>
                     <a:cs typeface="Times New Roman" panose="02020603050405020304" pitchFamily="18" charset="0"/>
                   </a:rPr>
-                  <a:t>logical dataset</a:t>
+                  <a:t>statistical dataset</a:t>
                 </a:r>
-                <a:endParaRPr lang="en-US" sz="1200" dirty="0">
-                  <a:solidFill>
-                    <a:schemeClr val="bg1"/>
-                  </a:solidFill>
-                  <a:latin typeface="Helvetica" pitchFamily="2" charset="0"/>
-                  <a:cs typeface="Times New Roman" panose="02020603050405020304" pitchFamily="18" charset="0"/>
-                </a:endParaRPr>
               </a:p>
             </p:txBody>
           </p:sp>
+          <p:cxnSp>
+            <p:nvCxnSpPr>
+              <p:cNvPr id="156" name="Straight Arrow Connector 155">
+                <a:extLst>
+                  <a:ext uri="{FF2B5EF4-FFF2-40B4-BE49-F238E27FC236}">
+                    <a16:creationId xmlns:a16="http://schemas.microsoft.com/office/drawing/2014/main" id="{B0A43937-F253-E8DF-2DAC-F2BF95DFA410}"/>
+                  </a:ext>
+                </a:extLst>
+              </p:cNvPr>
+              <p:cNvCxnSpPr>
+                <a:cxnSpLocks/>
+              </p:cNvCxnSpPr>
+              <p:nvPr/>
+            </p:nvCxnSpPr>
+            <p:spPr>
+              <a:xfrm flipV="1">
+                <a:off x="2592592" y="5779448"/>
+                <a:ext cx="0" cy="202230"/>
+              </a:xfrm>
+              <a:prstGeom prst="straightConnector1">
+                <a:avLst/>
+              </a:prstGeom>
+              <a:ln w="12700" cap="flat">
+                <a:solidFill>
+                  <a:schemeClr val="tx1"/>
+                </a:solidFill>
+                <a:bevel/>
+                <a:headEnd type="stealth" w="lg" len="lg"/>
+                <a:tailEnd type="none" w="lg" len="lg"/>
+              </a:ln>
+            </p:spPr>
+            <p:style>
+              <a:lnRef idx="1">
+                <a:schemeClr val="accent1"/>
+              </a:lnRef>
+              <a:fillRef idx="0">
+                <a:schemeClr val="accent1"/>
+              </a:fillRef>
+              <a:effectRef idx="0">
+                <a:schemeClr val="accent1"/>
+              </a:effectRef>
+              <a:fontRef idx="minor">
+                <a:schemeClr val="tx1"/>
+              </a:fontRef>
+            </p:style>
+          </p:cxnSp>
+          <p:cxnSp>
+            <p:nvCxnSpPr>
+              <p:cNvPr id="161" name="Straight Arrow Connector 160">
+                <a:extLst>
+                  <a:ext uri="{FF2B5EF4-FFF2-40B4-BE49-F238E27FC236}">
+                    <a16:creationId xmlns:a16="http://schemas.microsoft.com/office/drawing/2014/main" id="{D04B1855-914B-B7CE-5D2D-7F7D2611CD15}"/>
+                  </a:ext>
+                </a:extLst>
+              </p:cNvPr>
+              <p:cNvCxnSpPr>
+                <a:cxnSpLocks/>
+              </p:cNvCxnSpPr>
+              <p:nvPr/>
+            </p:nvCxnSpPr>
+            <p:spPr>
+              <a:xfrm flipV="1">
+                <a:off x="3202546" y="5779448"/>
+                <a:ext cx="0" cy="202230"/>
+              </a:xfrm>
+              <a:prstGeom prst="straightConnector1">
+                <a:avLst/>
+              </a:prstGeom>
+              <a:ln w="12700" cap="flat">
+                <a:solidFill>
+                  <a:schemeClr val="tx1"/>
+                </a:solidFill>
+                <a:bevel/>
+                <a:headEnd type="stealth" w="lg" len="lg"/>
+                <a:tailEnd type="none" w="lg" len="lg"/>
+              </a:ln>
+            </p:spPr>
+            <p:style>
+              <a:lnRef idx="1">
+                <a:schemeClr val="accent1"/>
+              </a:lnRef>
+              <a:fillRef idx="0">
+                <a:schemeClr val="accent1"/>
+              </a:fillRef>
+              <a:effectRef idx="0">
+                <a:schemeClr val="accent1"/>
+              </a:effectRef>
+              <a:fontRef idx="minor">
+                <a:schemeClr val="tx1"/>
+              </a:fontRef>
+            </p:style>
+          </p:cxnSp>
+          <p:cxnSp>
+            <p:nvCxnSpPr>
+              <p:cNvPr id="162" name="Straight Arrow Connector 161">
+                <a:extLst>
+                  <a:ext uri="{FF2B5EF4-FFF2-40B4-BE49-F238E27FC236}">
+                    <a16:creationId xmlns:a16="http://schemas.microsoft.com/office/drawing/2014/main" id="{6B67E4F7-3842-DCFD-E7A2-07F5BF5E59BD}"/>
+                  </a:ext>
+                </a:extLst>
+              </p:cNvPr>
+              <p:cNvCxnSpPr>
+                <a:cxnSpLocks/>
+                <a:endCxn id="27" idx="2"/>
+              </p:cNvCxnSpPr>
+              <p:nvPr/>
+            </p:nvCxnSpPr>
+            <p:spPr>
+              <a:xfrm flipV="1">
+                <a:off x="5280510" y="2799802"/>
+                <a:ext cx="1" cy="3309080"/>
+              </a:xfrm>
+              <a:prstGeom prst="straightConnector1">
+                <a:avLst/>
+              </a:prstGeom>
+              <a:ln w="12700" cap="flat">
+                <a:solidFill>
+                  <a:schemeClr val="tx1"/>
+                </a:solidFill>
+                <a:bevel/>
+                <a:headEnd type="none" w="lg" len="lg"/>
+                <a:tailEnd type="none" w="lg" len="lg"/>
+              </a:ln>
+            </p:spPr>
+            <p:style>
+              <a:lnRef idx="1">
+                <a:schemeClr val="accent1"/>
+              </a:lnRef>
+              <a:fillRef idx="0">
+                <a:schemeClr val="accent1"/>
+              </a:fillRef>
+              <a:effectRef idx="0">
+                <a:schemeClr val="accent1"/>
+              </a:effectRef>
+              <a:fontRef idx="minor">
+                <a:schemeClr val="tx1"/>
+              </a:fontRef>
+            </p:style>
+          </p:cxnSp>
+          <p:cxnSp>
+            <p:nvCxnSpPr>
+              <p:cNvPr id="167" name="Straight Arrow Connector 166">
+                <a:extLst>
+                  <a:ext uri="{FF2B5EF4-FFF2-40B4-BE49-F238E27FC236}">
+                    <a16:creationId xmlns:a16="http://schemas.microsoft.com/office/drawing/2014/main" id="{DB250A8D-3E9B-4D13-E5EC-70140564454E}"/>
+                  </a:ext>
+                </a:extLst>
+              </p:cNvPr>
+              <p:cNvCxnSpPr>
+                <a:cxnSpLocks/>
+                <a:stCxn id="155" idx="3"/>
+              </p:cNvCxnSpPr>
+              <p:nvPr/>
+            </p:nvCxnSpPr>
+            <p:spPr>
+              <a:xfrm>
+                <a:off x="3663082" y="6108883"/>
+                <a:ext cx="1617428" cy="0"/>
+              </a:xfrm>
+              <a:prstGeom prst="straightConnector1">
+                <a:avLst/>
+              </a:prstGeom>
+              <a:ln w="12700" cap="flat">
+                <a:solidFill>
+                  <a:schemeClr val="tx1"/>
+                </a:solidFill>
+                <a:bevel/>
+                <a:headEnd type="stealth" w="lg" len="lg"/>
+                <a:tailEnd type="none" w="lg" len="lg"/>
+              </a:ln>
+            </p:spPr>
+            <p:style>
+              <a:lnRef idx="1">
+                <a:schemeClr val="accent1"/>
+              </a:lnRef>
+              <a:fillRef idx="0">
+                <a:schemeClr val="accent1"/>
+              </a:fillRef>
+              <a:effectRef idx="0">
+                <a:schemeClr val="accent1"/>
+              </a:effectRef>
+              <a:fontRef idx="minor">
+                <a:schemeClr val="tx1"/>
+              </a:fontRef>
+            </p:style>
+          </p:cxnSp>
         </p:grpSp>
-        <p:cxnSp>
-          <p:nvCxnSpPr>
-            <p:cNvPr id="129" name="Straight Arrow Connector 128">
+        <p:sp>
+          <p:nvSpPr>
+            <p:cNvPr id="2" name="Diamond 1">
               <a:extLst>
                 <a:ext uri="{FF2B5EF4-FFF2-40B4-BE49-F238E27FC236}">
-                  <a16:creationId xmlns:a16="http://schemas.microsoft.com/office/drawing/2014/main" id="{B8FC4E92-DE87-5C65-7E72-1330345700D8}"/>
+                  <a16:creationId xmlns:a16="http://schemas.microsoft.com/office/drawing/2014/main" id="{76D4571D-429F-C34B-B071-52BA34A91ACE}"/>
                 </a:ext>
               </a:extLst>
             </p:cNvPr>
-            <p:cNvCxnSpPr>
-              <a:cxnSpLocks/>
-              <a:stCxn id="44" idx="0"/>
-              <a:endCxn id="11" idx="2"/>
-            </p:cNvCxnSpPr>
+            <p:cNvSpPr/>
             <p:nvPr/>
-          </p:nvCxnSpPr>
+          </p:nvSpPr>
           <p:spPr>
-            <a:xfrm flipH="1" flipV="1">
-              <a:off x="2863904" y="3584633"/>
-              <a:ext cx="3380" cy="294182"/>
+            <a:xfrm>
+              <a:off x="1988672" y="509414"/>
+              <a:ext cx="1803691" cy="574919"/>
             </a:xfrm>
-            <a:prstGeom prst="straightConnector1">
+            <a:prstGeom prst="diamond">
               <a:avLst/>
             </a:prstGeom>
-            <a:ln w="12700" cap="flat">
+            <a:noFill/>
+            <a:ln>
               <a:solidFill>
-                <a:schemeClr val="tx1"/>
+                <a:schemeClr val="tx1">
+                  <a:lumMod val="50000"/>
+                  <a:lumOff val="50000"/>
+                </a:schemeClr>
               </a:solidFill>
-              <a:bevel/>
-              <a:headEnd type="stealth" w="lg" len="lg"/>
-              <a:tailEnd type="none" w="lg" len="lg"/>
             </a:ln>
           </p:spPr>
           <p:style>
-            <a:lnRef idx="1">
-              <a:schemeClr val="accent1"/>
+            <a:lnRef idx="2">
+              <a:schemeClr val="accent1">
+                <a:shade val="15000"/>
+              </a:schemeClr>
             </a:lnRef>
-            <a:fillRef idx="0">
+            <a:fillRef idx="1">
               <a:schemeClr val="accent1"/>
             </a:fillRef>
             <a:effectRef idx="0">
               <a:schemeClr val="accent1"/>
             </a:effectRef>
             <a:fontRef idx="minor">
-              <a:schemeClr val="tx1"/>
+              <a:schemeClr val="lt1"/>
             </a:fontRef>
           </p:style>
-        </p:cxnSp>
+          <p:txBody>
+            <a:bodyPr rtlCol="0" anchor="ctr"/>
+            <a:lstStyle/>
+            <a:p>
+              <a:pPr algn="ctr"/>
+              <a:endParaRPr lang="en-US" dirty="0"/>
+            </a:p>
+          </p:txBody>
+        </p:sp>
         <p:sp>
           <p:nvSpPr>
-            <p:cNvPr id="155" name="TextBox 154">
+            <p:cNvPr id="19" name="Diamond 18">
               <a:extLst>
                 <a:ext uri="{FF2B5EF4-FFF2-40B4-BE49-F238E27FC236}">
-                  <a16:creationId xmlns:a16="http://schemas.microsoft.com/office/drawing/2014/main" id="{CA8BE73F-2B7F-5DA6-7423-519D9ABDF931}"/>
+                  <a16:creationId xmlns:a16="http://schemas.microsoft.com/office/drawing/2014/main" id="{50C233F5-3347-48B1-41AB-44E1995312CF}"/>
                 </a:ext>
               </a:extLst>
             </p:cNvPr>
-            <p:cNvSpPr txBox="1"/>
+            <p:cNvSpPr/>
             <p:nvPr/>
           </p:nvSpPr>
           <p:spPr>
             <a:xfrm>
-              <a:off x="2082387" y="5981678"/>
-              <a:ext cx="1558039" cy="276999"/>
+              <a:off x="1988672" y="1906703"/>
+              <a:ext cx="1803699" cy="1051265"/>
             </a:xfrm>
-            <a:prstGeom prst="rect">
+            <a:prstGeom prst="diamond">
               <a:avLst/>
             </a:prstGeom>
-            <a:solidFill>
-              <a:schemeClr val="accent1"/>
-            </a:solidFill>
+            <a:noFill/>
             <a:ln>
-              <a:noFill/>
-            </a:ln>
-          </p:spPr>
-          <p:txBody>
-            <a:bodyPr wrap="square" rtlCol="0">
-              <a:spAutoFit/>
-            </a:bodyPr>
-            <a:lstStyle/>
-            <a:p>
-              <a:pPr algn="ctr"/>
-              <a:r>
-                <a:rPr lang="en-US" sz="1200" b="1" dirty="0">
-                  <a:solidFill>
-                    <a:schemeClr val="bg1"/>
-                  </a:solidFill>
-                  <a:latin typeface="Helvetica" pitchFamily="2" charset="0"/>
-                  <a:cs typeface="Times New Roman" panose="02020603050405020304" pitchFamily="18" charset="0"/>
-                </a:rPr>
-                <a:t>statistical dataset</a:t>
-              </a:r>
-            </a:p>
-          </p:txBody>
-        </p:sp>
-        <p:cxnSp>
-          <p:nvCxnSpPr>
-            <p:cNvPr id="156" name="Straight Arrow Connector 155">
-              <a:extLst>
-                <a:ext uri="{FF2B5EF4-FFF2-40B4-BE49-F238E27FC236}">
-                  <a16:creationId xmlns:a16="http://schemas.microsoft.com/office/drawing/2014/main" id="{B0A43937-F253-E8DF-2DAC-F2BF95DFA410}"/>
-                </a:ext>
-              </a:extLst>
-            </p:cNvPr>
-            <p:cNvCxnSpPr>
-              <a:cxnSpLocks/>
-            </p:cNvCxnSpPr>
-            <p:nvPr/>
-          </p:nvCxnSpPr>
-          <p:spPr>
-            <a:xfrm flipV="1">
-              <a:off x="2477332" y="5779448"/>
-              <a:ext cx="0" cy="202230"/>
-            </a:xfrm>
-            <a:prstGeom prst="straightConnector1">
-              <a:avLst/>
-            </a:prstGeom>
-            <a:ln w="12700" cap="flat">
               <a:solidFill>
-                <a:schemeClr val="tx1"/>
+                <a:schemeClr val="tx1">
+                  <a:lumMod val="50000"/>
+                  <a:lumOff val="50000"/>
+                </a:schemeClr>
               </a:solidFill>
-              <a:bevel/>
-              <a:headEnd type="stealth" w="lg" len="lg"/>
-              <a:tailEnd type="none" w="lg" len="lg"/>
             </a:ln>
           </p:spPr>
           <p:style>
-            <a:lnRef idx="1">
-              <a:schemeClr val="accent1"/>
+            <a:lnRef idx="2">
+              <a:schemeClr val="accent1">
+                <a:shade val="15000"/>
+              </a:schemeClr>
             </a:lnRef>
-            <a:fillRef idx="0">
+            <a:fillRef idx="1">
               <a:schemeClr val="accent1"/>
             </a:fillRef>
             <a:effectRef idx="0">
               <a:schemeClr val="accent1"/>
             </a:effectRef>
             <a:fontRef idx="minor">
-              <a:schemeClr val="tx1"/>
+              <a:schemeClr val="lt1"/>
             </a:fontRef>
           </p:style>
-        </p:cxnSp>
+          <p:txBody>
+            <a:bodyPr rtlCol="0" anchor="ctr"/>
+            <a:lstStyle/>
+            <a:p>
+              <a:pPr algn="ctr"/>
+              <a:endParaRPr lang="en-US" dirty="0"/>
+            </a:p>
+          </p:txBody>
+        </p:sp>
         <p:cxnSp>
           <p:nvCxnSpPr>
-            <p:cNvPr id="161" name="Straight Arrow Connector 160">
+            <p:cNvPr id="58" name="Straight Arrow Connector 57">
               <a:extLst>
                 <a:ext uri="{FF2B5EF4-FFF2-40B4-BE49-F238E27FC236}">
-                  <a16:creationId xmlns:a16="http://schemas.microsoft.com/office/drawing/2014/main" id="{D04B1855-914B-B7CE-5D2D-7F7D2611CD15}"/>
+                  <a16:creationId xmlns:a16="http://schemas.microsoft.com/office/drawing/2014/main" id="{3C3FFCF1-38C7-1B4B-94D4-E6D5248E1E11}"/>
                 </a:ext>
               </a:extLst>
             </p:cNvPr>
             <p:cNvCxnSpPr>
               <a:cxnSpLocks/>
+              <a:endCxn id="2" idx="3"/>
             </p:cNvCxnSpPr>
             <p:nvPr/>
           </p:nvCxnSpPr>
           <p:spPr>
-            <a:xfrm flipV="1">
-              <a:off x="3202546" y="5779448"/>
-              <a:ext cx="0" cy="202230"/>
-            </a:xfrm>
-            <a:prstGeom prst="straightConnector1">
-              <a:avLst/>
-            </a:prstGeom>
-            <a:ln w="12700" cap="flat">
-              <a:solidFill>
-                <a:schemeClr val="tx1"/>
-              </a:solidFill>
-              <a:bevel/>
-              <a:headEnd type="stealth" w="lg" len="lg"/>
-              <a:tailEnd type="none" w="lg" len="lg"/>
-            </a:ln>
-          </p:spPr>
-          <p:style>
-            <a:lnRef idx="1">
-              <a:schemeClr val="accent1"/>
-            </a:lnRef>
-            <a:fillRef idx="0">
-              <a:schemeClr val="accent1"/>
-            </a:fillRef>
-            <a:effectRef idx="0">
-              <a:schemeClr val="accent1"/>
-            </a:effectRef>
-            <a:fontRef idx="minor">
-              <a:schemeClr val="tx1"/>
-            </a:fontRef>
-          </p:style>
-        </p:cxnSp>
-        <p:cxnSp>
-          <p:nvCxnSpPr>
-            <p:cNvPr id="162" name="Straight Arrow Connector 161">
-              <a:extLst>
-                <a:ext uri="{FF2B5EF4-FFF2-40B4-BE49-F238E27FC236}">
-                  <a16:creationId xmlns:a16="http://schemas.microsoft.com/office/drawing/2014/main" id="{6B67E4F7-3842-DCFD-E7A2-07F5BF5E59BD}"/>
-                </a:ext>
-              </a:extLst>
-            </p:cNvPr>
-            <p:cNvCxnSpPr>
-              <a:cxnSpLocks/>
-              <a:endCxn id="27" idx="2"/>
-            </p:cNvCxnSpPr>
-            <p:nvPr/>
-          </p:nvCxnSpPr>
-          <p:spPr>
-            <a:xfrm flipV="1">
-              <a:off x="5357860" y="2695112"/>
-              <a:ext cx="0" cy="3425065"/>
+            <a:xfrm flipH="1">
+              <a:off x="3792363" y="796873"/>
+              <a:ext cx="1488147" cy="1"/>
             </a:xfrm>
             <a:prstGeom prst="straightConnector1">
               <a:avLst/>
@@ -4939,53 +5088,217 @@
             </a:fontRef>
           </p:style>
         </p:cxnSp>
-        <p:cxnSp>
-          <p:nvCxnSpPr>
-            <p:cNvPr id="167" name="Straight Arrow Connector 166">
+        <p:sp>
+          <p:nvSpPr>
+            <p:cNvPr id="69" name="TextBox 68">
               <a:extLst>
                 <a:ext uri="{FF2B5EF4-FFF2-40B4-BE49-F238E27FC236}">
-                  <a16:creationId xmlns:a16="http://schemas.microsoft.com/office/drawing/2014/main" id="{DB250A8D-3E9B-4D13-E5EC-70140564454E}"/>
+                  <a16:creationId xmlns:a16="http://schemas.microsoft.com/office/drawing/2014/main" id="{8634AE45-8B3C-0B96-8F6F-1E6B5E66B500}"/>
                 </a:ext>
               </a:extLst>
             </p:cNvPr>
-            <p:cNvCxnSpPr>
-              <a:cxnSpLocks/>
-              <a:stCxn id="155" idx="3"/>
-            </p:cNvCxnSpPr>
+            <p:cNvSpPr txBox="1"/>
             <p:nvPr/>
-          </p:nvCxnSpPr>
+          </p:nvSpPr>
           <p:spPr>
             <a:xfrm>
-              <a:off x="3640426" y="6120178"/>
-              <a:ext cx="1717433" cy="0"/>
+              <a:off x="3773618" y="595073"/>
+              <a:ext cx="300083" cy="215444"/>
             </a:xfrm>
-            <a:prstGeom prst="straightConnector1">
+            <a:prstGeom prst="rect">
               <a:avLst/>
             </a:prstGeom>
-            <a:ln w="12700" cap="flat">
+            <a:noFill/>
+          </p:spPr>
+          <p:txBody>
+            <a:bodyPr wrap="none" rtlCol="0">
+              <a:spAutoFit/>
+            </a:bodyPr>
+            <a:lstStyle/>
+            <a:p>
+              <a:pPr algn="ctr"/>
+              <a:r>
+                <a:rPr lang="en-US" sz="800" dirty="0">
+                  <a:latin typeface="Helvetica" pitchFamily="2" charset="0"/>
+                  <a:cs typeface="Times New Roman" panose="02020603050405020304" pitchFamily="18" charset="0"/>
+                </a:rPr>
+                <a:t>no</a:t>
+              </a:r>
+            </a:p>
+          </p:txBody>
+        </p:sp>
+        <p:sp>
+          <p:nvSpPr>
+            <p:cNvPr id="70" name="TextBox 69">
+              <a:extLst>
+                <a:ext uri="{FF2B5EF4-FFF2-40B4-BE49-F238E27FC236}">
+                  <a16:creationId xmlns:a16="http://schemas.microsoft.com/office/drawing/2014/main" id="{E869C8B9-E706-F83C-5BBE-006CE9EAC270}"/>
+                </a:ext>
+              </a:extLst>
+            </p:cNvPr>
+            <p:cNvSpPr txBox="1"/>
+            <p:nvPr/>
+          </p:nvSpPr>
+          <p:spPr>
+            <a:xfrm>
+              <a:off x="3768127" y="2244895"/>
+              <a:ext cx="300083" cy="215444"/>
+            </a:xfrm>
+            <a:prstGeom prst="rect">
+              <a:avLst/>
+            </a:prstGeom>
+            <a:noFill/>
+          </p:spPr>
+          <p:txBody>
+            <a:bodyPr wrap="none" rtlCol="0">
+              <a:spAutoFit/>
+            </a:bodyPr>
+            <a:lstStyle/>
+            <a:p>
+              <a:pPr algn="ctr"/>
+              <a:r>
+                <a:rPr lang="en-US" sz="800" dirty="0">
+                  <a:latin typeface="Helvetica" pitchFamily="2" charset="0"/>
+                  <a:cs typeface="Times New Roman" panose="02020603050405020304" pitchFamily="18" charset="0"/>
+                </a:rPr>
+                <a:t>no</a:t>
+              </a:r>
+            </a:p>
+          </p:txBody>
+        </p:sp>
+        <p:sp>
+          <p:nvSpPr>
+            <p:cNvPr id="76" name="Diamond 75">
+              <a:extLst>
+                <a:ext uri="{FF2B5EF4-FFF2-40B4-BE49-F238E27FC236}">
+                  <a16:creationId xmlns:a16="http://schemas.microsoft.com/office/drawing/2014/main" id="{47C26A96-CA4A-82ED-4FC8-30D577AD2E96}"/>
+                </a:ext>
+              </a:extLst>
+            </p:cNvPr>
+            <p:cNvSpPr/>
+            <p:nvPr/>
+          </p:nvSpPr>
+          <p:spPr>
+            <a:xfrm>
+              <a:off x="1988672" y="3651163"/>
+              <a:ext cx="1803697" cy="843502"/>
+            </a:xfrm>
+            <a:prstGeom prst="diamond">
+              <a:avLst/>
+            </a:prstGeom>
+            <a:noFill/>
+            <a:ln>
               <a:solidFill>
-                <a:schemeClr val="tx1"/>
+                <a:schemeClr val="tx1">
+                  <a:lumMod val="50000"/>
+                  <a:lumOff val="50000"/>
+                </a:schemeClr>
               </a:solidFill>
-              <a:bevel/>
-              <a:headEnd type="stealth" w="lg" len="lg"/>
-              <a:tailEnd type="none" w="lg" len="lg"/>
             </a:ln>
           </p:spPr>
           <p:style>
-            <a:lnRef idx="1">
-              <a:schemeClr val="accent1"/>
+            <a:lnRef idx="2">
+              <a:schemeClr val="accent1">
+                <a:shade val="15000"/>
+              </a:schemeClr>
             </a:lnRef>
-            <a:fillRef idx="0">
+            <a:fillRef idx="1">
               <a:schemeClr val="accent1"/>
             </a:fillRef>
             <a:effectRef idx="0">
               <a:schemeClr val="accent1"/>
             </a:effectRef>
             <a:fontRef idx="minor">
-              <a:schemeClr val="tx1"/>
+              <a:schemeClr val="lt1"/>
             </a:fontRef>
           </p:style>
-        </p:cxnSp>
+          <p:txBody>
+            <a:bodyPr rtlCol="0" anchor="ctr"/>
+            <a:lstStyle/>
+            <a:p>
+              <a:pPr algn="ctr"/>
+              <a:endParaRPr lang="en-US" dirty="0"/>
+            </a:p>
+          </p:txBody>
+        </p:sp>
+        <p:sp>
+          <p:nvSpPr>
+            <p:cNvPr id="103" name="TextBox 102">
+              <a:extLst>
+                <a:ext uri="{FF2B5EF4-FFF2-40B4-BE49-F238E27FC236}">
+                  <a16:creationId xmlns:a16="http://schemas.microsoft.com/office/drawing/2014/main" id="{E892BA1B-DAB3-EAB8-99C0-2A14ADBA6A74}"/>
+                </a:ext>
+              </a:extLst>
+            </p:cNvPr>
+            <p:cNvSpPr txBox="1"/>
+            <p:nvPr/>
+          </p:nvSpPr>
+          <p:spPr>
+            <a:xfrm>
+              <a:off x="2861226" y="1043434"/>
+              <a:ext cx="344967" cy="215444"/>
+            </a:xfrm>
+            <a:prstGeom prst="rect">
+              <a:avLst/>
+            </a:prstGeom>
+            <a:noFill/>
+          </p:spPr>
+          <p:txBody>
+            <a:bodyPr wrap="none" rtlCol="0">
+              <a:spAutoFit/>
+            </a:bodyPr>
+            <a:lstStyle/>
+            <a:p>
+              <a:pPr algn="ctr"/>
+              <a:r>
+                <a:rPr lang="en-US" sz="800" dirty="0">
+                  <a:latin typeface="Helvetica" pitchFamily="2" charset="0"/>
+                  <a:cs typeface="Times New Roman" panose="02020603050405020304" pitchFamily="18" charset="0"/>
+                </a:rPr>
+                <a:t>yes</a:t>
+              </a:r>
+            </a:p>
+          </p:txBody>
+        </p:sp>
+        <p:sp>
+          <p:nvSpPr>
+            <p:cNvPr id="104" name="TextBox 103">
+              <a:extLst>
+                <a:ext uri="{FF2B5EF4-FFF2-40B4-BE49-F238E27FC236}">
+                  <a16:creationId xmlns:a16="http://schemas.microsoft.com/office/drawing/2014/main" id="{7A8ED308-14B5-7E6C-563B-3F38FF6B8D23}"/>
+                </a:ext>
+              </a:extLst>
+            </p:cNvPr>
+            <p:cNvSpPr txBox="1"/>
+            <p:nvPr/>
+          </p:nvSpPr>
+          <p:spPr>
+            <a:xfrm>
+              <a:off x="2852322" y="2913004"/>
+              <a:ext cx="344967" cy="215444"/>
+            </a:xfrm>
+            <a:prstGeom prst="rect">
+              <a:avLst/>
+            </a:prstGeom>
+            <a:noFill/>
+          </p:spPr>
+          <p:txBody>
+            <a:bodyPr wrap="none" rtlCol="0">
+              <a:spAutoFit/>
+            </a:bodyPr>
+            <a:lstStyle/>
+            <a:p>
+              <a:pPr algn="ctr"/>
+              <a:r>
+                <a:rPr lang="en-US" sz="800" dirty="0">
+                  <a:latin typeface="Helvetica" pitchFamily="2" charset="0"/>
+                  <a:cs typeface="Times New Roman" panose="02020603050405020304" pitchFamily="18" charset="0"/>
+                </a:rPr>
+                <a:t>yes</a:t>
+              </a:r>
+            </a:p>
+          </p:txBody>
+        </p:sp>
       </p:grpSp>
     </p:spTree>
     <p:extLst>
